--- a/pics/2022-01-04-sinusoids/pics.pptx
+++ b/pics/2022-01-04-sinusoids/pics.pptx
@@ -6,6 +6,7 @@
   </p:sldMasterIdLst>
   <p:sldIdLst>
     <p:sldId id="256" r:id="rId2"/>
+    <p:sldId id="257" r:id="rId3"/>
   </p:sldIdLst>
   <p:sldSz cx="9144000" cy="6858000" type="screen4x3"/>
   <p:notesSz cx="6858000" cy="9144000"/>
@@ -3112,6 +3113,138 @@
 </p:sld>
 </file>
 
+<file path=ppt/slides/slide2.xml><?xml version="1.0" encoding="utf-8"?>
+<p:sld xmlns:a="http://schemas.openxmlformats.org/drawingml/2006/main" xmlns:r="http://schemas.openxmlformats.org/officeDocument/2006/relationships" xmlns:p="http://schemas.openxmlformats.org/presentationml/2006/main">
+  <p:cSld>
+    <p:spTree>
+      <p:nvGrpSpPr>
+        <p:cNvPr id="1" name=""/>
+        <p:cNvGrpSpPr/>
+        <p:nvPr/>
+      </p:nvGrpSpPr>
+      <p:grpSpPr>
+        <a:xfrm>
+          <a:off x="0" y="0"/>
+          <a:ext cx="0" cy="0"/>
+          <a:chOff x="0" y="0"/>
+          <a:chExt cx="0" cy="0"/>
+        </a:xfrm>
+      </p:grpSpPr>
+      <p:pic>
+        <p:nvPicPr>
+          <p:cNvPr id="4" name="Picture 2"/>
+          <p:cNvPicPr>
+            <a:picLocks noChangeAspect="1" noChangeArrowheads="1"/>
+          </p:cNvPicPr>
+          <p:nvPr/>
+        </p:nvPicPr>
+        <p:blipFill>
+          <a:blip r:embed="rId2">
+            <a:extLst>
+              <a:ext uri="{28A0092B-C50C-407E-A947-70E740481C1C}">
+                <a14:useLocalDpi xmlns:a14="http://schemas.microsoft.com/office/drawing/2010/main" val="0"/>
+              </a:ext>
+            </a:extLst>
+          </a:blip>
+          <a:srcRect/>
+          <a:stretch>
+            <a:fillRect/>
+          </a:stretch>
+        </p:blipFill>
+        <p:spPr bwMode="auto">
+          <a:xfrm>
+            <a:off x="481013" y="2005013"/>
+            <a:ext cx="8181975" cy="2847975"/>
+          </a:xfrm>
+          <a:prstGeom prst="rect">
+            <a:avLst/>
+          </a:prstGeom>
+          <a:noFill/>
+          <a:ln>
+            <a:noFill/>
+          </a:ln>
+          <a:effectLst/>
+          <a:extLst>
+            <a:ext uri="{909E8E84-426E-40DD-AFC4-6F175D3DCCD1}">
+              <a14:hiddenFill xmlns:a14="http://schemas.microsoft.com/office/drawing/2010/main">
+                <a:solidFill>
+                  <a:schemeClr val="accent1"/>
+                </a:solidFill>
+              </a14:hiddenFill>
+            </a:ext>
+            <a:ext uri="{91240B29-F687-4F45-9708-019B960494DF}">
+              <a14:hiddenLine xmlns:a14="http://schemas.microsoft.com/office/drawing/2010/main" w="9525">
+                <a:solidFill>
+                  <a:schemeClr val="tx1"/>
+                </a:solidFill>
+                <a:miter lim="800000"/>
+                <a:headEnd/>
+                <a:tailEnd/>
+              </a14:hiddenLine>
+            </a:ext>
+            <a:ext uri="{AF507438-7753-43E0-B8FC-AC1667EBCBE1}">
+              <a14:hiddenEffects xmlns:a14="http://schemas.microsoft.com/office/drawing/2010/main">
+                <a:effectLst>
+                  <a:outerShdw dist="35921" dir="2700000" algn="ctr" rotWithShape="0">
+                    <a:schemeClr val="bg2"/>
+                  </a:outerShdw>
+                </a:effectLst>
+              </a14:hiddenEffects>
+            </a:ext>
+          </a:extLst>
+        </p:spPr>
+      </p:pic>
+      <p:sp>
+        <p:nvSpPr>
+          <p:cNvPr id="5" name="TextBox 4"/>
+          <p:cNvSpPr txBox="1"/>
+          <p:nvPr/>
+        </p:nvSpPr>
+        <p:spPr>
+          <a:xfrm>
+            <a:off x="1655817" y="2005013"/>
+            <a:ext cx="2916183" cy="369332"/>
+          </a:xfrm>
+          <a:prstGeom prst="rect">
+            <a:avLst/>
+          </a:prstGeom>
+          <a:noFill/>
+        </p:spPr>
+        <p:txBody>
+          <a:bodyPr wrap="none" rtlCol="0">
+            <a:spAutoFit/>
+          </a:bodyPr>
+          <a:lstStyle/>
+          <a:p>
+            <a:r>
+              <a:rPr lang="en-US" altLang="ko-KR" dirty="0" smtClean="0"/>
+              <a:t>amplitude</a:t>
+            </a:r>
+            <a:r>
+              <a:rPr lang="ko-KR" altLang="en-US" dirty="0" smtClean="0"/>
+              <a:t>라고 쓸 수 없다</a:t>
+            </a:r>
+            <a:r>
+              <a:rPr lang="en-US" altLang="ko-KR" dirty="0" smtClean="0"/>
+              <a:t>.</a:t>
+            </a:r>
+            <a:endParaRPr lang="ko-KR" altLang="en-US" dirty="0"/>
+          </a:p>
+        </p:txBody>
+      </p:sp>
+    </p:spTree>
+    <p:extLst>
+      <p:ext uri="{BB962C8B-B14F-4D97-AF65-F5344CB8AC3E}">
+        <p14:creationId xmlns:p14="http://schemas.microsoft.com/office/powerpoint/2010/main" val="3734775740"/>
+      </p:ext>
+    </p:extLst>
+  </p:cSld>
+  <p:clrMapOvr>
+    <a:masterClrMapping/>
+  </p:clrMapOvr>
+</p:sld>
+</file>
+
 <file path=ppt/theme/theme1.xml><?xml version="1.0" encoding="utf-8"?>
 <a:theme xmlns:a="http://schemas.openxmlformats.org/drawingml/2006/main" name="Office 테마">
   <a:themeElements>

--- a/pics/2022-01-04-sinusoids/pics.pptx
+++ b/pics/2022-01-04-sinusoids/pics.pptx
@@ -7,6 +7,7 @@
   <p:sldIdLst>
     <p:sldId id="256" r:id="rId2"/>
     <p:sldId id="257" r:id="rId3"/>
+    <p:sldId id="258" r:id="rId4"/>
   </p:sldIdLst>
   <p:sldSz cx="9144000" cy="6858000" type="screen4x3"/>
   <p:notesSz cx="6858000" cy="9144000"/>
@@ -3202,8 +3203,185 @@
         </p:nvSpPr>
         <p:spPr>
           <a:xfrm>
-            <a:off x="1655817" y="2005013"/>
+            <a:off x="1683690" y="3448508"/>
             <a:ext cx="2916183" cy="369332"/>
+          </a:xfrm>
+          <a:prstGeom prst="rect">
+            <a:avLst/>
+          </a:prstGeom>
+          <a:solidFill>
+            <a:schemeClr val="bg1"/>
+          </a:solidFill>
+          <a:ln w="28575">
+            <a:solidFill>
+              <a:srgbClr val="FF0000"/>
+            </a:solidFill>
+          </a:ln>
+        </p:spPr>
+        <p:txBody>
+          <a:bodyPr wrap="none" rtlCol="0">
+            <a:spAutoFit/>
+          </a:bodyPr>
+          <a:lstStyle/>
+          <a:p>
+            <a:r>
+              <a:rPr lang="en-US" altLang="ko-KR" dirty="0" smtClean="0"/>
+              <a:t>amplitude</a:t>
+            </a:r>
+            <a:r>
+              <a:rPr lang="ko-KR" altLang="en-US" dirty="0" smtClean="0"/>
+              <a:t>라고 쓸 수 없다</a:t>
+            </a:r>
+            <a:r>
+              <a:rPr lang="en-US" altLang="ko-KR" dirty="0" smtClean="0"/>
+              <a:t>.</a:t>
+            </a:r>
+            <a:endParaRPr lang="ko-KR" altLang="en-US" dirty="0"/>
+          </a:p>
+        </p:txBody>
+      </p:sp>
+      <p:cxnSp>
+        <p:nvCxnSpPr>
+          <p:cNvPr id="3" name="직선 화살표 연결선 2"/>
+          <p:cNvCxnSpPr>
+            <a:stCxn id="5" idx="1"/>
+          </p:cNvCxnSpPr>
+          <p:nvPr/>
+        </p:nvCxnSpPr>
+        <p:spPr>
+          <a:xfrm flipH="1" flipV="1">
+            <a:off x="1259632" y="3284984"/>
+            <a:ext cx="424058" cy="348190"/>
+          </a:xfrm>
+          <a:prstGeom prst="straightConnector1">
+            <a:avLst/>
+          </a:prstGeom>
+          <a:ln w="19050">
+            <a:solidFill>
+              <a:srgbClr val="FF0000"/>
+            </a:solidFill>
+            <a:tailEnd type="arrow"/>
+          </a:ln>
+        </p:spPr>
+        <p:style>
+          <a:lnRef idx="1">
+            <a:schemeClr val="accent1"/>
+          </a:lnRef>
+          <a:fillRef idx="0">
+            <a:schemeClr val="accent1"/>
+          </a:fillRef>
+          <a:effectRef idx="0">
+            <a:schemeClr val="accent1"/>
+          </a:effectRef>
+          <a:fontRef idx="minor">
+            <a:schemeClr val="tx1"/>
+          </a:fontRef>
+        </p:style>
+      </p:cxnSp>
+    </p:spTree>
+    <p:extLst>
+      <p:ext uri="{BB962C8B-B14F-4D97-AF65-F5344CB8AC3E}">
+        <p14:creationId xmlns:p14="http://schemas.microsoft.com/office/powerpoint/2010/main" val="3734775740"/>
+      </p:ext>
+    </p:extLst>
+  </p:cSld>
+  <p:clrMapOvr>
+    <a:masterClrMapping/>
+  </p:clrMapOvr>
+</p:sld>
+</file>
+
+<file path=ppt/slides/slide3.xml><?xml version="1.0" encoding="utf-8"?>
+<p:sld xmlns:a="http://schemas.openxmlformats.org/drawingml/2006/main" xmlns:r="http://schemas.openxmlformats.org/officeDocument/2006/relationships" xmlns:p="http://schemas.openxmlformats.org/presentationml/2006/main">
+  <p:cSld>
+    <p:spTree>
+      <p:nvGrpSpPr>
+        <p:cNvPr id="1" name=""/>
+        <p:cNvGrpSpPr/>
+        <p:nvPr/>
+      </p:nvGrpSpPr>
+      <p:grpSpPr>
+        <a:xfrm>
+          <a:off x="0" y="0"/>
+          <a:ext cx="0" cy="0"/>
+          <a:chOff x="0" y="0"/>
+          <a:chExt cx="0" cy="0"/>
+        </a:xfrm>
+      </p:grpSpPr>
+      <p:pic>
+        <p:nvPicPr>
+          <p:cNvPr id="1026" name="Picture 2"/>
+          <p:cNvPicPr>
+            <a:picLocks noChangeAspect="1" noChangeArrowheads="1"/>
+          </p:cNvPicPr>
+          <p:nvPr/>
+        </p:nvPicPr>
+        <p:blipFill>
+          <a:blip r:embed="rId2">
+            <a:extLst>
+              <a:ext uri="{28A0092B-C50C-407E-A947-70E740481C1C}">
+                <a14:useLocalDpi xmlns:a14="http://schemas.microsoft.com/office/drawing/2010/main" val="0"/>
+              </a:ext>
+            </a:extLst>
+          </a:blip>
+          <a:srcRect/>
+          <a:stretch>
+            <a:fillRect/>
+          </a:stretch>
+        </p:blipFill>
+        <p:spPr bwMode="auto">
+          <a:xfrm>
+            <a:off x="-42863" y="2147888"/>
+            <a:ext cx="9229726" cy="2562225"/>
+          </a:xfrm>
+          <a:prstGeom prst="rect">
+            <a:avLst/>
+          </a:prstGeom>
+          <a:noFill/>
+          <a:ln>
+            <a:noFill/>
+          </a:ln>
+          <a:effectLst/>
+          <a:extLst>
+            <a:ext uri="{909E8E84-426E-40DD-AFC4-6F175D3DCCD1}">
+              <a14:hiddenFill xmlns:a14="http://schemas.microsoft.com/office/drawing/2010/main">
+                <a:solidFill>
+                  <a:schemeClr val="accent1"/>
+                </a:solidFill>
+              </a14:hiddenFill>
+            </a:ext>
+            <a:ext uri="{91240B29-F687-4F45-9708-019B960494DF}">
+              <a14:hiddenLine xmlns:a14="http://schemas.microsoft.com/office/drawing/2010/main" w="9525">
+                <a:solidFill>
+                  <a:schemeClr val="tx1"/>
+                </a:solidFill>
+                <a:miter lim="800000"/>
+                <a:headEnd/>
+                <a:tailEnd/>
+              </a14:hiddenLine>
+            </a:ext>
+            <a:ext uri="{AF507438-7753-43E0-B8FC-AC1667EBCBE1}">
+              <a14:hiddenEffects xmlns:a14="http://schemas.microsoft.com/office/drawing/2010/main">
+                <a:effectLst>
+                  <a:outerShdw dist="35921" dir="2700000" algn="ctr" rotWithShape="0">
+                    <a:schemeClr val="bg2"/>
+                  </a:outerShdw>
+                </a:effectLst>
+              </a14:hiddenEffects>
+            </a:ext>
+          </a:extLst>
+        </p:spPr>
+      </p:pic>
+      <p:sp>
+        <p:nvSpPr>
+          <p:cNvPr id="4" name="TextBox 3"/>
+          <p:cNvSpPr txBox="1"/>
+          <p:nvPr/>
+        </p:nvSpPr>
+        <p:spPr>
+          <a:xfrm>
+            <a:off x="7812360" y="3501008"/>
+            <a:ext cx="888385" cy="369332"/>
           </a:xfrm>
           <a:prstGeom prst="rect">
             <a:avLst/>
@@ -3218,24 +3396,432 @@
           <a:p>
             <a:r>
               <a:rPr lang="en-US" altLang="ko-KR" dirty="0" smtClean="0"/>
-              <a:t>amplitude</a:t>
-            </a:r>
-            <a:r>
-              <a:rPr lang="ko-KR" altLang="en-US" dirty="0" smtClean="0"/>
-              <a:t>라고 쓸 수 없다</a:t>
-            </a:r>
-            <a:r>
-              <a:rPr lang="en-US" altLang="ko-KR" dirty="0" smtClean="0"/>
-              <a:t>.</a:t>
+              <a:t>time(s)</a:t>
             </a:r>
             <a:endParaRPr lang="ko-KR" altLang="en-US" dirty="0"/>
           </a:p>
         </p:txBody>
       </p:sp>
+      <mc:AlternateContent xmlns:mc="http://schemas.openxmlformats.org/markup-compatibility/2006">
+        <mc:Choice xmlns:a14="http://schemas.microsoft.com/office/drawing/2010/main" Requires="a14">
+          <p:sp>
+            <p:nvSpPr>
+              <p:cNvPr id="6" name="TextBox 5"/>
+              <p:cNvSpPr txBox="1"/>
+              <p:nvPr/>
+            </p:nvSpPr>
+            <p:spPr>
+              <a:xfrm>
+                <a:off x="1187624" y="1963222"/>
+                <a:ext cx="686213" cy="369332"/>
+              </a:xfrm>
+              <a:prstGeom prst="rect">
+                <a:avLst/>
+              </a:prstGeom>
+              <a:noFill/>
+            </p:spPr>
+            <p:txBody>
+              <a:bodyPr wrap="none" rtlCol="0">
+                <a:spAutoFit/>
+              </a:bodyPr>
+              <a:lstStyle/>
+              <a:p>
+                <a14:m>
+                  <m:oMathPara xmlns:m="http://schemas.openxmlformats.org/officeDocument/2006/math">
+                    <m:oMathParaPr>
+                      <m:jc m:val="centerGroup"/>
+                    </m:oMathParaPr>
+                    <m:oMath xmlns:m="http://schemas.openxmlformats.org/officeDocument/2006/math">
+                      <m:r>
+                        <a:rPr lang="en-US" altLang="ko-KR" i="1" dirty="0" smtClean="0">
+                          <a:latin typeface="Cambria Math"/>
+                        </a:rPr>
+                        <m:t>𝑥</m:t>
+                      </m:r>
+                      <m:r>
+                        <a:rPr lang="en-US" altLang="ko-KR" i="1" dirty="0" smtClean="0">
+                          <a:latin typeface="Cambria Math"/>
+                        </a:rPr>
+                        <m:t>(</m:t>
+                      </m:r>
+                      <m:r>
+                        <a:rPr lang="en-US" altLang="ko-KR" i="1" dirty="0" smtClean="0">
+                          <a:latin typeface="Cambria Math"/>
+                        </a:rPr>
+                        <m:t>𝑡</m:t>
+                      </m:r>
+                      <m:r>
+                        <a:rPr lang="en-US" altLang="ko-KR" i="1" dirty="0" smtClean="0">
+                          <a:latin typeface="Cambria Math"/>
+                        </a:rPr>
+                        <m:t>)</m:t>
+                      </m:r>
+                    </m:oMath>
+                  </m:oMathPara>
+                </a14:m>
+                <a:endParaRPr lang="ko-KR" altLang="en-US" dirty="0"/>
+              </a:p>
+            </p:txBody>
+          </p:sp>
+        </mc:Choice>
+        <mc:Fallback>
+          <p:sp>
+            <p:nvSpPr>
+              <p:cNvPr id="6" name="TextBox 5"/>
+              <p:cNvSpPr txBox="1">
+                <a:spLocks noRot="1" noChangeAspect="1" noMove="1" noResize="1" noEditPoints="1" noAdjustHandles="1" noChangeArrowheads="1" noChangeShapeType="1" noTextEdit="1"/>
+              </p:cNvSpPr>
+              <p:nvPr/>
+            </p:nvSpPr>
+            <p:spPr>
+              <a:xfrm>
+                <a:off x="1187624" y="1963222"/>
+                <a:ext cx="686213" cy="369332"/>
+              </a:xfrm>
+              <a:prstGeom prst="rect">
+                <a:avLst/>
+              </a:prstGeom>
+              <a:blipFill rotWithShape="1">
+                <a:blip r:embed="rId3"/>
+                <a:stretch>
+                  <a:fillRect b="-14754"/>
+                </a:stretch>
+              </a:blipFill>
+            </p:spPr>
+            <p:txBody>
+              <a:bodyPr/>
+              <a:lstStyle/>
+              <a:p>
+                <a:r>
+                  <a:rPr lang="ko-KR" altLang="en-US">
+                    <a:noFill/>
+                  </a:rPr>
+                  <a:t> </a:t>
+                </a:r>
+              </a:p>
+            </p:txBody>
+          </p:sp>
+        </mc:Fallback>
+      </mc:AlternateContent>
+      <p:cxnSp>
+        <p:nvCxnSpPr>
+          <p:cNvPr id="7" name="직선 연결선 6"/>
+          <p:cNvCxnSpPr/>
+          <p:nvPr/>
+        </p:nvCxnSpPr>
+        <p:spPr>
+          <a:xfrm>
+            <a:off x="2241866" y="3457878"/>
+            <a:ext cx="0" cy="576064"/>
+          </a:xfrm>
+          <a:prstGeom prst="line">
+            <a:avLst/>
+          </a:prstGeom>
+          <a:ln w="19050">
+            <a:solidFill>
+              <a:schemeClr val="tx1"/>
+            </a:solidFill>
+          </a:ln>
+        </p:spPr>
+        <p:style>
+          <a:lnRef idx="1">
+            <a:schemeClr val="accent1"/>
+          </a:lnRef>
+          <a:fillRef idx="0">
+            <a:schemeClr val="accent1"/>
+          </a:fillRef>
+          <a:effectRef idx="0">
+            <a:schemeClr val="accent1"/>
+          </a:effectRef>
+          <a:fontRef idx="minor">
+            <a:schemeClr val="tx1"/>
+          </a:fontRef>
+        </p:style>
+      </p:cxnSp>
+      <p:cxnSp>
+        <p:nvCxnSpPr>
+          <p:cNvPr id="10" name="직선 화살표 연결선 9"/>
+          <p:cNvCxnSpPr/>
+          <p:nvPr/>
+        </p:nvCxnSpPr>
+        <p:spPr>
+          <a:xfrm>
+            <a:off x="864896" y="3745910"/>
+            <a:ext cx="720080" cy="0"/>
+          </a:xfrm>
+          <a:prstGeom prst="straightConnector1">
+            <a:avLst/>
+          </a:prstGeom>
+          <a:ln w="38100">
+            <a:solidFill>
+              <a:schemeClr val="tx1"/>
+            </a:solidFill>
+            <a:tailEnd type="arrow"/>
+          </a:ln>
+        </p:spPr>
+        <p:style>
+          <a:lnRef idx="1">
+            <a:schemeClr val="accent1"/>
+          </a:lnRef>
+          <a:fillRef idx="0">
+            <a:schemeClr val="accent1"/>
+          </a:fillRef>
+          <a:effectRef idx="0">
+            <a:schemeClr val="accent1"/>
+          </a:effectRef>
+          <a:fontRef idx="minor">
+            <a:schemeClr val="tx1"/>
+          </a:fontRef>
+        </p:style>
+      </p:cxnSp>
+      <p:cxnSp>
+        <p:nvCxnSpPr>
+          <p:cNvPr id="12" name="직선 화살표 연결선 11"/>
+          <p:cNvCxnSpPr/>
+          <p:nvPr/>
+        </p:nvCxnSpPr>
+        <p:spPr>
+          <a:xfrm flipH="1">
+            <a:off x="2241866" y="3745910"/>
+            <a:ext cx="720080" cy="0"/>
+          </a:xfrm>
+          <a:prstGeom prst="straightConnector1">
+            <a:avLst/>
+          </a:prstGeom>
+          <a:ln w="38100">
+            <a:solidFill>
+              <a:schemeClr val="tx1"/>
+            </a:solidFill>
+            <a:tailEnd type="arrow"/>
+          </a:ln>
+        </p:spPr>
+        <p:style>
+          <a:lnRef idx="1">
+            <a:schemeClr val="accent1"/>
+          </a:lnRef>
+          <a:fillRef idx="0">
+            <a:schemeClr val="accent1"/>
+          </a:fillRef>
+          <a:effectRef idx="0">
+            <a:schemeClr val="accent1"/>
+          </a:effectRef>
+          <a:fontRef idx="minor">
+            <a:schemeClr val="tx1"/>
+          </a:fontRef>
+        </p:style>
+      </p:cxnSp>
+      <mc:AlternateContent xmlns:mc="http://schemas.openxmlformats.org/markup-compatibility/2006">
+        <mc:Choice xmlns:a14="http://schemas.microsoft.com/office/drawing/2010/main" Requires="a14">
+          <p:sp>
+            <p:nvSpPr>
+              <p:cNvPr id="13" name="TextBox 12"/>
+              <p:cNvSpPr txBox="1"/>
+              <p:nvPr/>
+            </p:nvSpPr>
+            <p:spPr>
+              <a:xfrm>
+                <a:off x="1332535" y="4128031"/>
+                <a:ext cx="1082604" cy="562975"/>
+              </a:xfrm>
+              <a:prstGeom prst="rect">
+                <a:avLst/>
+              </a:prstGeom>
+              <a:solidFill>
+                <a:schemeClr val="bg1"/>
+              </a:solidFill>
+              <a:ln>
+                <a:solidFill>
+                  <a:schemeClr val="tx1"/>
+                </a:solidFill>
+              </a:ln>
+            </p:spPr>
+            <p:txBody>
+              <a:bodyPr wrap="none" rtlCol="0">
+                <a:spAutoFit/>
+              </a:bodyPr>
+              <a:lstStyle/>
+              <a:p>
+                <a14:m>
+                  <m:oMathPara xmlns:m="http://schemas.openxmlformats.org/officeDocument/2006/math">
+                    <m:oMathParaPr>
+                      <m:jc m:val="centerGroup"/>
+                    </m:oMathParaPr>
+                    <m:oMath xmlns:m="http://schemas.openxmlformats.org/officeDocument/2006/math">
+                      <m:r>
+                        <a:rPr lang="en-US" altLang="ko-KR" b="0" i="1" dirty="0" smtClean="0">
+                          <a:latin typeface="Cambria Math"/>
+                        </a:rPr>
+                        <m:t>𝜙</m:t>
+                      </m:r>
+                      <m:r>
+                        <a:rPr lang="en-US" altLang="ko-KR" b="0" i="1" dirty="0" smtClean="0">
+                          <a:latin typeface="Cambria Math"/>
+                        </a:rPr>
+                        <m:t>=−</m:t>
+                      </m:r>
+                      <m:f>
+                        <m:fPr>
+                          <m:ctrlPr>
+                            <a:rPr lang="en-US" altLang="ko-KR" b="0" i="1" dirty="0" smtClean="0">
+                              <a:latin typeface="Cambria Math"/>
+                            </a:rPr>
+                          </m:ctrlPr>
+                        </m:fPr>
+                        <m:num>
+                          <m:r>
+                            <a:rPr lang="en-US" altLang="ko-KR" b="0" i="1" dirty="0" smtClean="0">
+                              <a:latin typeface="Cambria Math"/>
+                            </a:rPr>
+                            <m:t>𝜋</m:t>
+                          </m:r>
+                        </m:num>
+                        <m:den>
+                          <m:r>
+                            <a:rPr lang="en-US" altLang="ko-KR" b="0" i="1" dirty="0" smtClean="0">
+                              <a:latin typeface="Cambria Math"/>
+                            </a:rPr>
+                            <m:t>4</m:t>
+                          </m:r>
+                        </m:den>
+                      </m:f>
+                    </m:oMath>
+                  </m:oMathPara>
+                </a14:m>
+                <a:endParaRPr lang="ko-KR" altLang="en-US" dirty="0"/>
+              </a:p>
+            </p:txBody>
+          </p:sp>
+        </mc:Choice>
+        <mc:Fallback>
+          <p:sp>
+            <p:nvSpPr>
+              <p:cNvPr id="13" name="TextBox 12"/>
+              <p:cNvSpPr txBox="1">
+                <a:spLocks noRot="1" noChangeAspect="1" noMove="1" noResize="1" noEditPoints="1" noAdjustHandles="1" noChangeArrowheads="1" noChangeShapeType="1" noTextEdit="1"/>
+              </p:cNvSpPr>
+              <p:nvPr/>
+            </p:nvSpPr>
+            <p:spPr>
+              <a:xfrm>
+                <a:off x="1332535" y="4128031"/>
+                <a:ext cx="1082604" cy="562975"/>
+              </a:xfrm>
+              <a:prstGeom prst="rect">
+                <a:avLst/>
+              </a:prstGeom>
+              <a:blipFill rotWithShape="1">
+                <a:blip r:embed="rId4"/>
+                <a:stretch>
+                  <a:fillRect/>
+                </a:stretch>
+              </a:blipFill>
+              <a:ln>
+                <a:solidFill>
+                  <a:schemeClr val="tx1"/>
+                </a:solidFill>
+              </a:ln>
+            </p:spPr>
+            <p:txBody>
+              <a:bodyPr/>
+              <a:lstStyle/>
+              <a:p>
+                <a:r>
+                  <a:rPr lang="ko-KR" altLang="en-US">
+                    <a:noFill/>
+                  </a:rPr>
+                  <a:t> </a:t>
+                </a:r>
+              </a:p>
+            </p:txBody>
+          </p:sp>
+        </mc:Fallback>
+      </mc:AlternateContent>
+      <mc:AlternateContent xmlns:mc="http://schemas.openxmlformats.org/markup-compatibility/2006">
+        <mc:Choice xmlns:a14="http://schemas.microsoft.com/office/drawing/2010/main" Requires="a14">
+          <p:sp>
+            <p:nvSpPr>
+              <p:cNvPr id="11" name="직사각형 10"/>
+              <p:cNvSpPr/>
+              <p:nvPr/>
+            </p:nvSpPr>
+            <p:spPr>
+              <a:xfrm>
+                <a:off x="1695277" y="3561244"/>
+                <a:ext cx="428451" cy="369332"/>
+              </a:xfrm>
+              <a:prstGeom prst="rect">
+                <a:avLst/>
+              </a:prstGeom>
+            </p:spPr>
+            <p:txBody>
+              <a:bodyPr wrap="none">
+                <a:spAutoFit/>
+              </a:bodyPr>
+              <a:lstStyle/>
+              <a:p>
+                <a14:m>
+                  <m:oMathPara xmlns:m="http://schemas.openxmlformats.org/officeDocument/2006/math">
+                    <m:oMathParaPr>
+                      <m:jc m:val="centerGroup"/>
+                    </m:oMathParaPr>
+                    <m:oMath xmlns:m="http://schemas.openxmlformats.org/officeDocument/2006/math">
+                      <m:r>
+                        <a:rPr lang="en-US" altLang="ko-KR" i="1" dirty="0" smtClean="0">
+                          <a:latin typeface="Cambria Math"/>
+                        </a:rPr>
+                        <m:t>𝜙</m:t>
+                      </m:r>
+                    </m:oMath>
+                  </m:oMathPara>
+                </a14:m>
+                <a:endParaRPr lang="ko-KR" altLang="en-US" dirty="0"/>
+              </a:p>
+            </p:txBody>
+          </p:sp>
+        </mc:Choice>
+        <mc:Fallback>
+          <p:sp>
+            <p:nvSpPr>
+              <p:cNvPr id="11" name="직사각형 10"/>
+              <p:cNvSpPr>
+                <a:spLocks noRot="1" noChangeAspect="1" noMove="1" noResize="1" noEditPoints="1" noAdjustHandles="1" noChangeArrowheads="1" noChangeShapeType="1" noTextEdit="1"/>
+              </p:cNvSpPr>
+              <p:nvPr/>
+            </p:nvSpPr>
+            <p:spPr>
+              <a:xfrm>
+                <a:off x="1695277" y="3561244"/>
+                <a:ext cx="428451" cy="369332"/>
+              </a:xfrm>
+              <a:prstGeom prst="rect">
+                <a:avLst/>
+              </a:prstGeom>
+              <a:blipFill rotWithShape="1">
+                <a:blip r:embed="rId5"/>
+                <a:stretch>
+                  <a:fillRect b="-14754"/>
+                </a:stretch>
+              </a:blipFill>
+            </p:spPr>
+            <p:txBody>
+              <a:bodyPr/>
+              <a:lstStyle/>
+              <a:p>
+                <a:r>
+                  <a:rPr lang="ko-KR" altLang="en-US">
+                    <a:noFill/>
+                  </a:rPr>
+                  <a:t> </a:t>
+                </a:r>
+              </a:p>
+            </p:txBody>
+          </p:sp>
+        </mc:Fallback>
+      </mc:AlternateContent>
     </p:spTree>
     <p:extLst>
       <p:ext uri="{BB962C8B-B14F-4D97-AF65-F5344CB8AC3E}">
-        <p14:creationId xmlns:p14="http://schemas.microsoft.com/office/powerpoint/2010/main" val="3734775740"/>
+        <p14:creationId xmlns:p14="http://schemas.microsoft.com/office/powerpoint/2010/main" val="32828793"/>
       </p:ext>
     </p:extLst>
   </p:cSld>

--- a/pics/2022-01-04-sinusoids/pics.pptx
+++ b/pics/2022-01-04-sinusoids/pics.pptx
@@ -6,8 +6,10 @@
   </p:sldMasterIdLst>
   <p:sldIdLst>
     <p:sldId id="256" r:id="rId2"/>
-    <p:sldId id="257" r:id="rId3"/>
-    <p:sldId id="258" r:id="rId4"/>
+    <p:sldId id="259" r:id="rId3"/>
+    <p:sldId id="257" r:id="rId4"/>
+    <p:sldId id="260" r:id="rId5"/>
+    <p:sldId id="258" r:id="rId6"/>
   </p:sldIdLst>
   <p:sldSz cx="9144000" cy="6858000" type="screen4x3"/>
   <p:notesSz cx="6858000" cy="9144000"/>
@@ -290,7 +292,7 @@
           <a:p>
             <a:fld id="{FB30EDBD-1C2D-4C1E-B459-B60219FAB484}" type="datetimeFigureOut">
               <a:rPr lang="ko-KR" altLang="en-US" smtClean="0"/>
-              <a:t>2022-01-05</a:t>
+              <a:t>2022-01-06</a:t>
             </a:fld>
             <a:endParaRPr lang="ko-KR" altLang="en-US"/>
           </a:p>
@@ -455,7 +457,7 @@
           <a:p>
             <a:fld id="{FB30EDBD-1C2D-4C1E-B459-B60219FAB484}" type="datetimeFigureOut">
               <a:rPr lang="ko-KR" altLang="en-US" smtClean="0"/>
-              <a:t>2022-01-05</a:t>
+              <a:t>2022-01-06</a:t>
             </a:fld>
             <a:endParaRPr lang="ko-KR" altLang="en-US"/>
           </a:p>
@@ -630,7 +632,7 @@
           <a:p>
             <a:fld id="{FB30EDBD-1C2D-4C1E-B459-B60219FAB484}" type="datetimeFigureOut">
               <a:rPr lang="ko-KR" altLang="en-US" smtClean="0"/>
-              <a:t>2022-01-05</a:t>
+              <a:t>2022-01-06</a:t>
             </a:fld>
             <a:endParaRPr lang="ko-KR" altLang="en-US"/>
           </a:p>
@@ -795,7 +797,7 @@
           <a:p>
             <a:fld id="{FB30EDBD-1C2D-4C1E-B459-B60219FAB484}" type="datetimeFigureOut">
               <a:rPr lang="ko-KR" altLang="en-US" smtClean="0"/>
-              <a:t>2022-01-05</a:t>
+              <a:t>2022-01-06</a:t>
             </a:fld>
             <a:endParaRPr lang="ko-KR" altLang="en-US"/>
           </a:p>
@@ -1036,7 +1038,7 @@
           <a:p>
             <a:fld id="{FB30EDBD-1C2D-4C1E-B459-B60219FAB484}" type="datetimeFigureOut">
               <a:rPr lang="ko-KR" altLang="en-US" smtClean="0"/>
-              <a:t>2022-01-05</a:t>
+              <a:t>2022-01-06</a:t>
             </a:fld>
             <a:endParaRPr lang="ko-KR" altLang="en-US"/>
           </a:p>
@@ -1319,7 +1321,7 @@
           <a:p>
             <a:fld id="{FB30EDBD-1C2D-4C1E-B459-B60219FAB484}" type="datetimeFigureOut">
               <a:rPr lang="ko-KR" altLang="en-US" smtClean="0"/>
-              <a:t>2022-01-05</a:t>
+              <a:t>2022-01-06</a:t>
             </a:fld>
             <a:endParaRPr lang="ko-KR" altLang="en-US"/>
           </a:p>
@@ -1736,7 +1738,7 @@
           <a:p>
             <a:fld id="{FB30EDBD-1C2D-4C1E-B459-B60219FAB484}" type="datetimeFigureOut">
               <a:rPr lang="ko-KR" altLang="en-US" smtClean="0"/>
-              <a:t>2022-01-05</a:t>
+              <a:t>2022-01-06</a:t>
             </a:fld>
             <a:endParaRPr lang="ko-KR" altLang="en-US"/>
           </a:p>
@@ -1849,7 +1851,7 @@
           <a:p>
             <a:fld id="{FB30EDBD-1C2D-4C1E-B459-B60219FAB484}" type="datetimeFigureOut">
               <a:rPr lang="ko-KR" altLang="en-US" smtClean="0"/>
-              <a:t>2022-01-05</a:t>
+              <a:t>2022-01-06</a:t>
             </a:fld>
             <a:endParaRPr lang="ko-KR" altLang="en-US"/>
           </a:p>
@@ -1939,7 +1941,7 @@
           <a:p>
             <a:fld id="{FB30EDBD-1C2D-4C1E-B459-B60219FAB484}" type="datetimeFigureOut">
               <a:rPr lang="ko-KR" altLang="en-US" smtClean="0"/>
-              <a:t>2022-01-05</a:t>
+              <a:t>2022-01-06</a:t>
             </a:fld>
             <a:endParaRPr lang="ko-KR" altLang="en-US"/>
           </a:p>
@@ -2211,7 +2213,7 @@
           <a:p>
             <a:fld id="{FB30EDBD-1C2D-4C1E-B459-B60219FAB484}" type="datetimeFigureOut">
               <a:rPr lang="ko-KR" altLang="en-US" smtClean="0"/>
-              <a:t>2022-01-05</a:t>
+              <a:t>2022-01-06</a:t>
             </a:fld>
             <a:endParaRPr lang="ko-KR" altLang="en-US"/>
           </a:p>
@@ -2459,7 +2461,7 @@
           <a:p>
             <a:fld id="{FB30EDBD-1C2D-4C1E-B459-B60219FAB484}" type="datetimeFigureOut">
               <a:rPr lang="ko-KR" altLang="en-US" smtClean="0"/>
-              <a:t>2022-01-05</a:t>
+              <a:t>2022-01-06</a:t>
             </a:fld>
             <a:endParaRPr lang="ko-KR" altLang="en-US"/>
           </a:p>
@@ -2667,7 +2669,7 @@
           <a:p>
             <a:fld id="{FB30EDBD-1C2D-4C1E-B459-B60219FAB484}" type="datetimeFigureOut">
               <a:rPr lang="ko-KR" altLang="en-US" smtClean="0"/>
-              <a:t>2022-01-05</a:t>
+              <a:t>2022-01-06</a:t>
             </a:fld>
             <a:endParaRPr lang="ko-KR" altLang="en-US"/>
           </a:p>
@@ -3133,6 +3135,100 @@
       </p:grpSpPr>
       <p:pic>
         <p:nvPicPr>
+          <p:cNvPr id="1026" name="Picture 2"/>
+          <p:cNvPicPr>
+            <a:picLocks noChangeAspect="1" noChangeArrowheads="1"/>
+          </p:cNvPicPr>
+          <p:nvPr/>
+        </p:nvPicPr>
+        <p:blipFill>
+          <a:blip r:embed="rId2">
+            <a:extLst>
+              <a:ext uri="{28A0092B-C50C-407E-A947-70E740481C1C}">
+                <a14:useLocalDpi xmlns:a14="http://schemas.microsoft.com/office/drawing/2010/main" val="0"/>
+              </a:ext>
+            </a:extLst>
+          </a:blip>
+          <a:srcRect/>
+          <a:stretch>
+            <a:fillRect/>
+          </a:stretch>
+        </p:blipFill>
+        <p:spPr bwMode="auto">
+          <a:xfrm>
+            <a:off x="1909763" y="1433513"/>
+            <a:ext cx="5324475" cy="3990975"/>
+          </a:xfrm>
+          <a:prstGeom prst="rect">
+            <a:avLst/>
+          </a:prstGeom>
+          <a:noFill/>
+          <a:ln>
+            <a:noFill/>
+          </a:ln>
+          <a:effectLst/>
+          <a:extLst>
+            <a:ext uri="{909E8E84-426E-40DD-AFC4-6F175D3DCCD1}">
+              <a14:hiddenFill xmlns:a14="http://schemas.microsoft.com/office/drawing/2010/main">
+                <a:solidFill>
+                  <a:schemeClr val="accent1"/>
+                </a:solidFill>
+              </a14:hiddenFill>
+            </a:ext>
+            <a:ext uri="{91240B29-F687-4F45-9708-019B960494DF}">
+              <a14:hiddenLine xmlns:a14="http://schemas.microsoft.com/office/drawing/2010/main" w="9525">
+                <a:solidFill>
+                  <a:schemeClr val="tx1"/>
+                </a:solidFill>
+                <a:miter lim="800000"/>
+                <a:headEnd/>
+                <a:tailEnd/>
+              </a14:hiddenLine>
+            </a:ext>
+            <a:ext uri="{AF507438-7753-43E0-B8FC-AC1667EBCBE1}">
+              <a14:hiddenEffects xmlns:a14="http://schemas.microsoft.com/office/drawing/2010/main">
+                <a:effectLst>
+                  <a:outerShdw dist="35921" dir="2700000" algn="ctr" rotWithShape="0">
+                    <a:schemeClr val="bg2"/>
+                  </a:outerShdw>
+                </a:effectLst>
+              </a14:hiddenEffects>
+            </a:ext>
+          </a:extLst>
+        </p:spPr>
+      </p:pic>
+    </p:spTree>
+    <p:extLst>
+      <p:ext uri="{BB962C8B-B14F-4D97-AF65-F5344CB8AC3E}">
+        <p14:creationId xmlns:p14="http://schemas.microsoft.com/office/powerpoint/2010/main" val="2244275413"/>
+      </p:ext>
+    </p:extLst>
+  </p:cSld>
+  <p:clrMapOvr>
+    <a:masterClrMapping/>
+  </p:clrMapOvr>
+</p:sld>
+</file>
+
+<file path=ppt/slides/slide3.xml><?xml version="1.0" encoding="utf-8"?>
+<p:sld xmlns:a="http://schemas.openxmlformats.org/drawingml/2006/main" xmlns:r="http://schemas.openxmlformats.org/officeDocument/2006/relationships" xmlns:p="http://schemas.openxmlformats.org/presentationml/2006/main">
+  <p:cSld>
+    <p:spTree>
+      <p:nvGrpSpPr>
+        <p:cNvPr id="1" name=""/>
+        <p:cNvGrpSpPr/>
+        <p:nvPr/>
+      </p:nvGrpSpPr>
+      <p:grpSpPr>
+        <a:xfrm>
+          <a:off x="0" y="0"/>
+          <a:ext cx="0" cy="0"/>
+          <a:chOff x="0" y="0"/>
+          <a:chExt cx="0" cy="0"/>
+        </a:xfrm>
+      </p:grpSpPr>
+      <p:pic>
+        <p:nvPicPr>
           <p:cNvPr id="4" name="Picture 2"/>
           <p:cNvPicPr>
             <a:picLocks noChangeAspect="1" noChangeArrowheads="1"/>
@@ -3291,7 +3387,101 @@
 </p:sld>
 </file>
 
-<file path=ppt/slides/slide3.xml><?xml version="1.0" encoding="utf-8"?>
+<file path=ppt/slides/slide4.xml><?xml version="1.0" encoding="utf-8"?>
+<p:sld xmlns:a="http://schemas.openxmlformats.org/drawingml/2006/main" xmlns:r="http://schemas.openxmlformats.org/officeDocument/2006/relationships" xmlns:p="http://schemas.openxmlformats.org/presentationml/2006/main">
+  <p:cSld>
+    <p:spTree>
+      <p:nvGrpSpPr>
+        <p:cNvPr id="1" name=""/>
+        <p:cNvGrpSpPr/>
+        <p:nvPr/>
+      </p:nvGrpSpPr>
+      <p:grpSpPr>
+        <a:xfrm>
+          <a:off x="0" y="0"/>
+          <a:ext cx="0" cy="0"/>
+          <a:chOff x="0" y="0"/>
+          <a:chExt cx="0" cy="0"/>
+        </a:xfrm>
+      </p:grpSpPr>
+      <p:pic>
+        <p:nvPicPr>
+          <p:cNvPr id="2050" name="Picture 2"/>
+          <p:cNvPicPr>
+            <a:picLocks noChangeAspect="1" noChangeArrowheads="1"/>
+          </p:cNvPicPr>
+          <p:nvPr/>
+        </p:nvPicPr>
+        <p:blipFill>
+          <a:blip r:embed="rId2">
+            <a:extLst>
+              <a:ext uri="{28A0092B-C50C-407E-A947-70E740481C1C}">
+                <a14:useLocalDpi xmlns:a14="http://schemas.microsoft.com/office/drawing/2010/main" val="0"/>
+              </a:ext>
+            </a:extLst>
+          </a:blip>
+          <a:srcRect/>
+          <a:stretch>
+            <a:fillRect/>
+          </a:stretch>
+        </p:blipFill>
+        <p:spPr bwMode="auto">
+          <a:xfrm>
+            <a:off x="-423863" y="2443163"/>
+            <a:ext cx="9991726" cy="1971675"/>
+          </a:xfrm>
+          <a:prstGeom prst="rect">
+            <a:avLst/>
+          </a:prstGeom>
+          <a:noFill/>
+          <a:ln>
+            <a:noFill/>
+          </a:ln>
+          <a:effectLst/>
+          <a:extLst>
+            <a:ext uri="{909E8E84-426E-40DD-AFC4-6F175D3DCCD1}">
+              <a14:hiddenFill xmlns:a14="http://schemas.microsoft.com/office/drawing/2010/main">
+                <a:solidFill>
+                  <a:schemeClr val="accent1"/>
+                </a:solidFill>
+              </a14:hiddenFill>
+            </a:ext>
+            <a:ext uri="{91240B29-F687-4F45-9708-019B960494DF}">
+              <a14:hiddenLine xmlns:a14="http://schemas.microsoft.com/office/drawing/2010/main" w="9525">
+                <a:solidFill>
+                  <a:schemeClr val="tx1"/>
+                </a:solidFill>
+                <a:miter lim="800000"/>
+                <a:headEnd/>
+                <a:tailEnd/>
+              </a14:hiddenLine>
+            </a:ext>
+            <a:ext uri="{AF507438-7753-43E0-B8FC-AC1667EBCBE1}">
+              <a14:hiddenEffects xmlns:a14="http://schemas.microsoft.com/office/drawing/2010/main">
+                <a:effectLst>
+                  <a:outerShdw dist="35921" dir="2700000" algn="ctr" rotWithShape="0">
+                    <a:schemeClr val="bg2"/>
+                  </a:outerShdw>
+                </a:effectLst>
+              </a14:hiddenEffects>
+            </a:ext>
+          </a:extLst>
+        </p:spPr>
+      </p:pic>
+    </p:spTree>
+    <p:extLst>
+      <p:ext uri="{BB962C8B-B14F-4D97-AF65-F5344CB8AC3E}">
+        <p14:creationId xmlns:p14="http://schemas.microsoft.com/office/powerpoint/2010/main" val="610129181"/>
+      </p:ext>
+    </p:extLst>
+  </p:cSld>
+  <p:clrMapOvr>
+    <a:masterClrMapping/>
+  </p:clrMapOvr>
+</p:sld>
+</file>
+
+<file path=ppt/slides/slide5.xml><?xml version="1.0" encoding="utf-8"?>
 <p:sld xmlns:a="http://schemas.openxmlformats.org/drawingml/2006/main" xmlns:r="http://schemas.openxmlformats.org/officeDocument/2006/relationships" xmlns:p="http://schemas.openxmlformats.org/presentationml/2006/main">
   <p:cSld>
     <p:spTree>
@@ -3402,8 +3592,8 @@
           </a:p>
         </p:txBody>
       </p:sp>
-      <mc:AlternateContent xmlns:mc="http://schemas.openxmlformats.org/markup-compatibility/2006">
-        <mc:Choice xmlns:a14="http://schemas.microsoft.com/office/drawing/2010/main" Requires="a14">
+      <mc:AlternateContent xmlns:mc="http://schemas.openxmlformats.org/markup-compatibility/2006" xmlns:a14="http://schemas.microsoft.com/office/drawing/2010/main">
+        <mc:Choice Requires="a14">
           <p:sp>
             <p:nvSpPr>
               <p:cNvPr id="6" name="TextBox 5"/>
@@ -3426,6 +3616,7 @@
               </a:bodyPr>
               <a:lstStyle/>
               <a:p>
+                <a:pPr/>
                 <a14:m>
                   <m:oMathPara xmlns:m="http://schemas.openxmlformats.org/officeDocument/2006/math">
                     <m:oMathParaPr>
@@ -3464,7 +3655,7 @@
             </p:txBody>
           </p:sp>
         </mc:Choice>
-        <mc:Fallback>
+        <mc:Fallback xmlns="">
           <p:sp>
             <p:nvSpPr>
               <p:cNvPr id="6" name="TextBox 5"/>
@@ -3610,8 +3801,8 @@
           </a:fontRef>
         </p:style>
       </p:cxnSp>
-      <mc:AlternateContent xmlns:mc="http://schemas.openxmlformats.org/markup-compatibility/2006">
-        <mc:Choice xmlns:a14="http://schemas.microsoft.com/office/drawing/2010/main" Requires="a14">
+      <mc:AlternateContent xmlns:mc="http://schemas.openxmlformats.org/markup-compatibility/2006" xmlns:a14="http://schemas.microsoft.com/office/drawing/2010/main">
+        <mc:Choice Requires="a14">
           <p:sp>
             <p:nvSpPr>
               <p:cNvPr id="13" name="TextBox 12"/>
@@ -3641,6 +3832,7 @@
               </a:bodyPr>
               <a:lstStyle/>
               <a:p>
+                <a:pPr/>
                 <a14:m>
                   <m:oMathPara xmlns:m="http://schemas.openxmlformats.org/officeDocument/2006/math">
                     <m:oMathParaPr>
@@ -3692,7 +3884,7 @@
             </p:txBody>
           </p:sp>
         </mc:Choice>
-        <mc:Fallback>
+        <mc:Fallback xmlns="">
           <p:sp>
             <p:nvSpPr>
               <p:cNvPr id="13" name="TextBox 12"/>
@@ -3736,8 +3928,8 @@
           </p:sp>
         </mc:Fallback>
       </mc:AlternateContent>
-      <mc:AlternateContent xmlns:mc="http://schemas.openxmlformats.org/markup-compatibility/2006">
-        <mc:Choice xmlns:a14="http://schemas.microsoft.com/office/drawing/2010/main" Requires="a14">
+      <mc:AlternateContent xmlns:mc="http://schemas.openxmlformats.org/markup-compatibility/2006" xmlns:a14="http://schemas.microsoft.com/office/drawing/2010/main">
+        <mc:Choice Requires="a14">
           <p:sp>
             <p:nvSpPr>
               <p:cNvPr id="11" name="직사각형 10"/>
@@ -3759,6 +3951,7 @@
               </a:bodyPr>
               <a:lstStyle/>
               <a:p>
+                <a:pPr/>
                 <a14:m>
                   <m:oMathPara xmlns:m="http://schemas.openxmlformats.org/officeDocument/2006/math">
                     <m:oMathParaPr>
@@ -3779,7 +3972,7 @@
             </p:txBody>
           </p:sp>
         </mc:Choice>
-        <mc:Fallback>
+        <mc:Fallback xmlns="">
           <p:sp>
             <p:nvSpPr>
               <p:cNvPr id="11" name="직사각형 10"/>

--- a/pics/2022-01-04-sinusoids/pics.pptx
+++ b/pics/2022-01-04-sinusoids/pics.pptx
@@ -7,9 +7,12 @@
   <p:sldIdLst>
     <p:sldId id="256" r:id="rId2"/>
     <p:sldId id="259" r:id="rId3"/>
-    <p:sldId id="257" r:id="rId4"/>
-    <p:sldId id="260" r:id="rId5"/>
-    <p:sldId id="258" r:id="rId6"/>
+    <p:sldId id="261" r:id="rId4"/>
+    <p:sldId id="257" r:id="rId5"/>
+    <p:sldId id="262" r:id="rId6"/>
+    <p:sldId id="263" r:id="rId7"/>
+    <p:sldId id="260" r:id="rId8"/>
+    <p:sldId id="258" r:id="rId9"/>
   </p:sldIdLst>
   <p:sldSz cx="9144000" cy="6858000" type="screen4x3"/>
   <p:notesSz cx="6858000" cy="9144000"/>
@@ -108,6 +111,22 @@
       </a:defRPr>
     </a:lvl9pPr>
   </p:defaultTextStyle>
+  <p:extLst>
+    <p:ext uri="{EFAFB233-063F-42B5-8137-9DF3F51BA10A}">
+      <p15:sldGuideLst xmlns:p15="http://schemas.microsoft.com/office/powerpoint/2012/main">
+        <p15:guide id="1" orient="horz" pos="2160">
+          <p15:clr>
+            <a:srgbClr val="A4A3A4"/>
+          </p15:clr>
+        </p15:guide>
+        <p15:guide id="2" pos="2880">
+          <p15:clr>
+            <a:srgbClr val="A4A3A4"/>
+          </p15:clr>
+        </p15:guide>
+      </p15:sldGuideLst>
+    </p:ext>
+  </p:extLst>
 </p:presentation>
 </file>
 
@@ -149,10 +168,9 @@
           <a:lstStyle/>
           <a:p>
             <a:r>
-              <a:rPr lang="ko-KR" altLang="en-US" smtClean="0"/>
+              <a:rPr lang="ko-KR" altLang="en-US"/>
               <a:t>마스터 제목 스타일 편집</a:t>
             </a:r>
-            <a:endParaRPr lang="ko-KR" altLang="en-US"/>
           </a:p>
         </p:txBody>
       </p:sp>
@@ -268,10 +286,9 @@
           </a:lstStyle>
           <a:p>
             <a:r>
-              <a:rPr lang="ko-KR" altLang="en-US" smtClean="0"/>
+              <a:rPr lang="ko-KR" altLang="en-US"/>
               <a:t>마스터 부제목 스타일 편집</a:t>
             </a:r>
-            <a:endParaRPr lang="ko-KR" altLang="en-US"/>
           </a:p>
         </p:txBody>
       </p:sp>
@@ -292,7 +309,7 @@
           <a:p>
             <a:fld id="{FB30EDBD-1C2D-4C1E-B459-B60219FAB484}" type="datetimeFigureOut">
               <a:rPr lang="ko-KR" altLang="en-US" smtClean="0"/>
-              <a:t>2022-01-06</a:t>
+              <a:t>2023-05-14</a:t>
             </a:fld>
             <a:endParaRPr lang="ko-KR" altLang="en-US"/>
           </a:p>
@@ -381,10 +398,9 @@
           <a:lstStyle/>
           <a:p>
             <a:r>
-              <a:rPr lang="ko-KR" altLang="en-US" smtClean="0"/>
+              <a:rPr lang="ko-KR" altLang="en-US"/>
               <a:t>마스터 제목 스타일 편집</a:t>
             </a:r>
-            <a:endParaRPr lang="ko-KR" altLang="en-US"/>
           </a:p>
         </p:txBody>
       </p:sp>
@@ -405,38 +421,37 @@
           <a:p>
             <a:pPr lvl="0"/>
             <a:r>
-              <a:rPr lang="ko-KR" altLang="en-US" smtClean="0"/>
+              <a:rPr lang="ko-KR" altLang="en-US"/>
               <a:t>마스터 텍스트 스타일을 편집합니다</a:t>
             </a:r>
           </a:p>
           <a:p>
             <a:pPr lvl="1"/>
             <a:r>
-              <a:rPr lang="ko-KR" altLang="en-US" smtClean="0"/>
+              <a:rPr lang="ko-KR" altLang="en-US"/>
               <a:t>둘째 수준</a:t>
             </a:r>
           </a:p>
           <a:p>
             <a:pPr lvl="2"/>
             <a:r>
-              <a:rPr lang="ko-KR" altLang="en-US" smtClean="0"/>
+              <a:rPr lang="ko-KR" altLang="en-US"/>
               <a:t>셋째 수준</a:t>
             </a:r>
           </a:p>
           <a:p>
             <a:pPr lvl="3"/>
             <a:r>
-              <a:rPr lang="ko-KR" altLang="en-US" smtClean="0"/>
+              <a:rPr lang="ko-KR" altLang="en-US"/>
               <a:t>넷째 수준</a:t>
             </a:r>
           </a:p>
           <a:p>
             <a:pPr lvl="4"/>
             <a:r>
-              <a:rPr lang="ko-KR" altLang="en-US" smtClean="0"/>
+              <a:rPr lang="ko-KR" altLang="en-US"/>
               <a:t>다섯째 수준</a:t>
             </a:r>
-            <a:endParaRPr lang="ko-KR" altLang="en-US"/>
           </a:p>
         </p:txBody>
       </p:sp>
@@ -457,7 +472,7 @@
           <a:p>
             <a:fld id="{FB30EDBD-1C2D-4C1E-B459-B60219FAB484}" type="datetimeFigureOut">
               <a:rPr lang="ko-KR" altLang="en-US" smtClean="0"/>
-              <a:t>2022-01-06</a:t>
+              <a:t>2023-05-14</a:t>
             </a:fld>
             <a:endParaRPr lang="ko-KR" altLang="en-US"/>
           </a:p>
@@ -551,10 +566,9 @@
           <a:lstStyle/>
           <a:p>
             <a:r>
-              <a:rPr lang="ko-KR" altLang="en-US" smtClean="0"/>
+              <a:rPr lang="ko-KR" altLang="en-US"/>
               <a:t>마스터 제목 스타일 편집</a:t>
             </a:r>
-            <a:endParaRPr lang="ko-KR" altLang="en-US"/>
           </a:p>
         </p:txBody>
       </p:sp>
@@ -580,38 +594,37 @@
           <a:p>
             <a:pPr lvl="0"/>
             <a:r>
-              <a:rPr lang="ko-KR" altLang="en-US" smtClean="0"/>
+              <a:rPr lang="ko-KR" altLang="en-US"/>
               <a:t>마스터 텍스트 스타일을 편집합니다</a:t>
             </a:r>
           </a:p>
           <a:p>
             <a:pPr lvl="1"/>
             <a:r>
-              <a:rPr lang="ko-KR" altLang="en-US" smtClean="0"/>
+              <a:rPr lang="ko-KR" altLang="en-US"/>
               <a:t>둘째 수준</a:t>
             </a:r>
           </a:p>
           <a:p>
             <a:pPr lvl="2"/>
             <a:r>
-              <a:rPr lang="ko-KR" altLang="en-US" smtClean="0"/>
+              <a:rPr lang="ko-KR" altLang="en-US"/>
               <a:t>셋째 수준</a:t>
             </a:r>
           </a:p>
           <a:p>
             <a:pPr lvl="3"/>
             <a:r>
-              <a:rPr lang="ko-KR" altLang="en-US" smtClean="0"/>
+              <a:rPr lang="ko-KR" altLang="en-US"/>
               <a:t>넷째 수준</a:t>
             </a:r>
           </a:p>
           <a:p>
             <a:pPr lvl="4"/>
             <a:r>
-              <a:rPr lang="ko-KR" altLang="en-US" smtClean="0"/>
+              <a:rPr lang="ko-KR" altLang="en-US"/>
               <a:t>다섯째 수준</a:t>
             </a:r>
-            <a:endParaRPr lang="ko-KR" altLang="en-US"/>
           </a:p>
         </p:txBody>
       </p:sp>
@@ -632,7 +645,7 @@
           <a:p>
             <a:fld id="{FB30EDBD-1C2D-4C1E-B459-B60219FAB484}" type="datetimeFigureOut">
               <a:rPr lang="ko-KR" altLang="en-US" smtClean="0"/>
-              <a:t>2022-01-06</a:t>
+              <a:t>2023-05-14</a:t>
             </a:fld>
             <a:endParaRPr lang="ko-KR" altLang="en-US"/>
           </a:p>
@@ -721,10 +734,9 @@
           <a:lstStyle/>
           <a:p>
             <a:r>
-              <a:rPr lang="ko-KR" altLang="en-US" smtClean="0"/>
+              <a:rPr lang="ko-KR" altLang="en-US"/>
               <a:t>마스터 제목 스타일 편집</a:t>
             </a:r>
-            <a:endParaRPr lang="ko-KR" altLang="en-US"/>
           </a:p>
         </p:txBody>
       </p:sp>
@@ -745,38 +757,37 @@
           <a:p>
             <a:pPr lvl="0"/>
             <a:r>
-              <a:rPr lang="ko-KR" altLang="en-US" smtClean="0"/>
+              <a:rPr lang="ko-KR" altLang="en-US"/>
               <a:t>마스터 텍스트 스타일을 편집합니다</a:t>
             </a:r>
           </a:p>
           <a:p>
             <a:pPr lvl="1"/>
             <a:r>
-              <a:rPr lang="ko-KR" altLang="en-US" smtClean="0"/>
+              <a:rPr lang="ko-KR" altLang="en-US"/>
               <a:t>둘째 수준</a:t>
             </a:r>
           </a:p>
           <a:p>
             <a:pPr lvl="2"/>
             <a:r>
-              <a:rPr lang="ko-KR" altLang="en-US" smtClean="0"/>
+              <a:rPr lang="ko-KR" altLang="en-US"/>
               <a:t>셋째 수준</a:t>
             </a:r>
           </a:p>
           <a:p>
             <a:pPr lvl="3"/>
             <a:r>
-              <a:rPr lang="ko-KR" altLang="en-US" smtClean="0"/>
+              <a:rPr lang="ko-KR" altLang="en-US"/>
               <a:t>넷째 수준</a:t>
             </a:r>
           </a:p>
           <a:p>
             <a:pPr lvl="4"/>
             <a:r>
-              <a:rPr lang="ko-KR" altLang="en-US" smtClean="0"/>
+              <a:rPr lang="ko-KR" altLang="en-US"/>
               <a:t>다섯째 수준</a:t>
             </a:r>
-            <a:endParaRPr lang="ko-KR" altLang="en-US"/>
           </a:p>
         </p:txBody>
       </p:sp>
@@ -797,7 +808,7 @@
           <a:p>
             <a:fld id="{FB30EDBD-1C2D-4C1E-B459-B60219FAB484}" type="datetimeFigureOut">
               <a:rPr lang="ko-KR" altLang="en-US" smtClean="0"/>
-              <a:t>2022-01-06</a:t>
+              <a:t>2023-05-14</a:t>
             </a:fld>
             <a:endParaRPr lang="ko-KR" altLang="en-US"/>
           </a:p>
@@ -895,10 +906,9 @@
           </a:lstStyle>
           <a:p>
             <a:r>
-              <a:rPr lang="ko-KR" altLang="en-US" smtClean="0"/>
+              <a:rPr lang="ko-KR" altLang="en-US"/>
               <a:t>마스터 제목 스타일 편집</a:t>
             </a:r>
-            <a:endParaRPr lang="ko-KR" altLang="en-US"/>
           </a:p>
         </p:txBody>
       </p:sp>
@@ -1015,7 +1025,7 @@
           <a:p>
             <a:pPr lvl="0"/>
             <a:r>
-              <a:rPr lang="ko-KR" altLang="en-US" smtClean="0"/>
+              <a:rPr lang="ko-KR" altLang="en-US"/>
               <a:t>마스터 텍스트 스타일을 편집합니다</a:t>
             </a:r>
           </a:p>
@@ -1038,7 +1048,7 @@
           <a:p>
             <a:fld id="{FB30EDBD-1C2D-4C1E-B459-B60219FAB484}" type="datetimeFigureOut">
               <a:rPr lang="ko-KR" altLang="en-US" smtClean="0"/>
-              <a:t>2022-01-06</a:t>
+              <a:t>2023-05-14</a:t>
             </a:fld>
             <a:endParaRPr lang="ko-KR" altLang="en-US"/>
           </a:p>
@@ -1127,10 +1137,9 @@
           <a:lstStyle/>
           <a:p>
             <a:r>
-              <a:rPr lang="ko-KR" altLang="en-US" smtClean="0"/>
+              <a:rPr lang="ko-KR" altLang="en-US"/>
               <a:t>마스터 제목 스타일 편집</a:t>
             </a:r>
-            <a:endParaRPr lang="ko-KR" altLang="en-US"/>
           </a:p>
         </p:txBody>
       </p:sp>
@@ -1184,38 +1193,37 @@
           <a:p>
             <a:pPr lvl="0"/>
             <a:r>
-              <a:rPr lang="ko-KR" altLang="en-US" smtClean="0"/>
+              <a:rPr lang="ko-KR" altLang="en-US"/>
               <a:t>마스터 텍스트 스타일을 편집합니다</a:t>
             </a:r>
           </a:p>
           <a:p>
             <a:pPr lvl="1"/>
             <a:r>
-              <a:rPr lang="ko-KR" altLang="en-US" smtClean="0"/>
+              <a:rPr lang="ko-KR" altLang="en-US"/>
               <a:t>둘째 수준</a:t>
             </a:r>
           </a:p>
           <a:p>
             <a:pPr lvl="2"/>
             <a:r>
-              <a:rPr lang="ko-KR" altLang="en-US" smtClean="0"/>
+              <a:rPr lang="ko-KR" altLang="en-US"/>
               <a:t>셋째 수준</a:t>
             </a:r>
           </a:p>
           <a:p>
             <a:pPr lvl="3"/>
             <a:r>
-              <a:rPr lang="ko-KR" altLang="en-US" smtClean="0"/>
+              <a:rPr lang="ko-KR" altLang="en-US"/>
               <a:t>넷째 수준</a:t>
             </a:r>
           </a:p>
           <a:p>
             <a:pPr lvl="4"/>
             <a:r>
-              <a:rPr lang="ko-KR" altLang="en-US" smtClean="0"/>
+              <a:rPr lang="ko-KR" altLang="en-US"/>
               <a:t>다섯째 수준</a:t>
             </a:r>
-            <a:endParaRPr lang="ko-KR" altLang="en-US"/>
           </a:p>
         </p:txBody>
       </p:sp>
@@ -1269,38 +1277,37 @@
           <a:p>
             <a:pPr lvl="0"/>
             <a:r>
-              <a:rPr lang="ko-KR" altLang="en-US" smtClean="0"/>
+              <a:rPr lang="ko-KR" altLang="en-US"/>
               <a:t>마스터 텍스트 스타일을 편집합니다</a:t>
             </a:r>
           </a:p>
           <a:p>
             <a:pPr lvl="1"/>
             <a:r>
-              <a:rPr lang="ko-KR" altLang="en-US" smtClean="0"/>
+              <a:rPr lang="ko-KR" altLang="en-US"/>
               <a:t>둘째 수준</a:t>
             </a:r>
           </a:p>
           <a:p>
             <a:pPr lvl="2"/>
             <a:r>
-              <a:rPr lang="ko-KR" altLang="en-US" smtClean="0"/>
+              <a:rPr lang="ko-KR" altLang="en-US"/>
               <a:t>셋째 수준</a:t>
             </a:r>
           </a:p>
           <a:p>
             <a:pPr lvl="3"/>
             <a:r>
-              <a:rPr lang="ko-KR" altLang="en-US" smtClean="0"/>
+              <a:rPr lang="ko-KR" altLang="en-US"/>
               <a:t>넷째 수준</a:t>
             </a:r>
           </a:p>
           <a:p>
             <a:pPr lvl="4"/>
             <a:r>
-              <a:rPr lang="ko-KR" altLang="en-US" smtClean="0"/>
+              <a:rPr lang="ko-KR" altLang="en-US"/>
               <a:t>다섯째 수준</a:t>
             </a:r>
-            <a:endParaRPr lang="ko-KR" altLang="en-US"/>
           </a:p>
         </p:txBody>
       </p:sp>
@@ -1321,7 +1328,7 @@
           <a:p>
             <a:fld id="{FB30EDBD-1C2D-4C1E-B459-B60219FAB484}" type="datetimeFigureOut">
               <a:rPr lang="ko-KR" altLang="en-US" smtClean="0"/>
-              <a:t>2022-01-06</a:t>
+              <a:t>2023-05-14</a:t>
             </a:fld>
             <a:endParaRPr lang="ko-KR" altLang="en-US"/>
           </a:p>
@@ -1414,10 +1421,9 @@
           </a:lstStyle>
           <a:p>
             <a:r>
-              <a:rPr lang="ko-KR" altLang="en-US" smtClean="0"/>
+              <a:rPr lang="ko-KR" altLang="en-US"/>
               <a:t>마스터 제목 스타일 편집</a:t>
             </a:r>
-            <a:endParaRPr lang="ko-KR" altLang="en-US"/>
           </a:p>
         </p:txBody>
       </p:sp>
@@ -1480,7 +1486,7 @@
           <a:p>
             <a:pPr lvl="0"/>
             <a:r>
-              <a:rPr lang="ko-KR" altLang="en-US" smtClean="0"/>
+              <a:rPr lang="ko-KR" altLang="en-US"/>
               <a:t>마스터 텍스트 스타일을 편집합니다</a:t>
             </a:r>
           </a:p>
@@ -1536,38 +1542,37 @@
           <a:p>
             <a:pPr lvl="0"/>
             <a:r>
-              <a:rPr lang="ko-KR" altLang="en-US" smtClean="0"/>
+              <a:rPr lang="ko-KR" altLang="en-US"/>
               <a:t>마스터 텍스트 스타일을 편집합니다</a:t>
             </a:r>
           </a:p>
           <a:p>
             <a:pPr lvl="1"/>
             <a:r>
-              <a:rPr lang="ko-KR" altLang="en-US" smtClean="0"/>
+              <a:rPr lang="ko-KR" altLang="en-US"/>
               <a:t>둘째 수준</a:t>
             </a:r>
           </a:p>
           <a:p>
             <a:pPr lvl="2"/>
             <a:r>
-              <a:rPr lang="ko-KR" altLang="en-US" smtClean="0"/>
+              <a:rPr lang="ko-KR" altLang="en-US"/>
               <a:t>셋째 수준</a:t>
             </a:r>
           </a:p>
           <a:p>
             <a:pPr lvl="3"/>
             <a:r>
-              <a:rPr lang="ko-KR" altLang="en-US" smtClean="0"/>
+              <a:rPr lang="ko-KR" altLang="en-US"/>
               <a:t>넷째 수준</a:t>
             </a:r>
           </a:p>
           <a:p>
             <a:pPr lvl="4"/>
             <a:r>
-              <a:rPr lang="ko-KR" altLang="en-US" smtClean="0"/>
+              <a:rPr lang="ko-KR" altLang="en-US"/>
               <a:t>다섯째 수준</a:t>
             </a:r>
-            <a:endParaRPr lang="ko-KR" altLang="en-US"/>
           </a:p>
         </p:txBody>
       </p:sp>
@@ -1630,7 +1635,7 @@
           <a:p>
             <a:pPr lvl="0"/>
             <a:r>
-              <a:rPr lang="ko-KR" altLang="en-US" smtClean="0"/>
+              <a:rPr lang="ko-KR" altLang="en-US"/>
               <a:t>마스터 텍스트 스타일을 편집합니다</a:t>
             </a:r>
           </a:p>
@@ -1686,38 +1691,37 @@
           <a:p>
             <a:pPr lvl="0"/>
             <a:r>
-              <a:rPr lang="ko-KR" altLang="en-US" smtClean="0"/>
+              <a:rPr lang="ko-KR" altLang="en-US"/>
               <a:t>마스터 텍스트 스타일을 편집합니다</a:t>
             </a:r>
           </a:p>
           <a:p>
             <a:pPr lvl="1"/>
             <a:r>
-              <a:rPr lang="ko-KR" altLang="en-US" smtClean="0"/>
+              <a:rPr lang="ko-KR" altLang="en-US"/>
               <a:t>둘째 수준</a:t>
             </a:r>
           </a:p>
           <a:p>
             <a:pPr lvl="2"/>
             <a:r>
-              <a:rPr lang="ko-KR" altLang="en-US" smtClean="0"/>
+              <a:rPr lang="ko-KR" altLang="en-US"/>
               <a:t>셋째 수준</a:t>
             </a:r>
           </a:p>
           <a:p>
             <a:pPr lvl="3"/>
             <a:r>
-              <a:rPr lang="ko-KR" altLang="en-US" smtClean="0"/>
+              <a:rPr lang="ko-KR" altLang="en-US"/>
               <a:t>넷째 수준</a:t>
             </a:r>
           </a:p>
           <a:p>
             <a:pPr lvl="4"/>
             <a:r>
-              <a:rPr lang="ko-KR" altLang="en-US" smtClean="0"/>
+              <a:rPr lang="ko-KR" altLang="en-US"/>
               <a:t>다섯째 수준</a:t>
             </a:r>
-            <a:endParaRPr lang="ko-KR" altLang="en-US"/>
           </a:p>
         </p:txBody>
       </p:sp>
@@ -1738,7 +1742,7 @@
           <a:p>
             <a:fld id="{FB30EDBD-1C2D-4C1E-B459-B60219FAB484}" type="datetimeFigureOut">
               <a:rPr lang="ko-KR" altLang="en-US" smtClean="0"/>
-              <a:t>2022-01-06</a:t>
+              <a:t>2023-05-14</a:t>
             </a:fld>
             <a:endParaRPr lang="ko-KR" altLang="en-US"/>
           </a:p>
@@ -1827,10 +1831,9 @@
           <a:lstStyle/>
           <a:p>
             <a:r>
-              <a:rPr lang="ko-KR" altLang="en-US" smtClean="0"/>
+              <a:rPr lang="ko-KR" altLang="en-US"/>
               <a:t>마스터 제목 스타일 편집</a:t>
             </a:r>
-            <a:endParaRPr lang="ko-KR" altLang="en-US"/>
           </a:p>
         </p:txBody>
       </p:sp>
@@ -1851,7 +1854,7 @@
           <a:p>
             <a:fld id="{FB30EDBD-1C2D-4C1E-B459-B60219FAB484}" type="datetimeFigureOut">
               <a:rPr lang="ko-KR" altLang="en-US" smtClean="0"/>
-              <a:t>2022-01-06</a:t>
+              <a:t>2023-05-14</a:t>
             </a:fld>
             <a:endParaRPr lang="ko-KR" altLang="en-US"/>
           </a:p>
@@ -1941,7 +1944,7 @@
           <a:p>
             <a:fld id="{FB30EDBD-1C2D-4C1E-B459-B60219FAB484}" type="datetimeFigureOut">
               <a:rPr lang="ko-KR" altLang="en-US" smtClean="0"/>
-              <a:t>2022-01-06</a:t>
+              <a:t>2023-05-14</a:t>
             </a:fld>
             <a:endParaRPr lang="ko-KR" altLang="en-US"/>
           </a:p>
@@ -2039,10 +2042,9 @@
           </a:lstStyle>
           <a:p>
             <a:r>
-              <a:rPr lang="ko-KR" altLang="en-US" smtClean="0"/>
+              <a:rPr lang="ko-KR" altLang="en-US"/>
               <a:t>마스터 제목 스타일 편집</a:t>
             </a:r>
-            <a:endParaRPr lang="ko-KR" altLang="en-US"/>
           </a:p>
         </p:txBody>
       </p:sp>
@@ -2096,38 +2098,37 @@
           <a:p>
             <a:pPr lvl="0"/>
             <a:r>
-              <a:rPr lang="ko-KR" altLang="en-US" smtClean="0"/>
+              <a:rPr lang="ko-KR" altLang="en-US"/>
               <a:t>마스터 텍스트 스타일을 편집합니다</a:t>
             </a:r>
           </a:p>
           <a:p>
             <a:pPr lvl="1"/>
             <a:r>
-              <a:rPr lang="ko-KR" altLang="en-US" smtClean="0"/>
+              <a:rPr lang="ko-KR" altLang="en-US"/>
               <a:t>둘째 수준</a:t>
             </a:r>
           </a:p>
           <a:p>
             <a:pPr lvl="2"/>
             <a:r>
-              <a:rPr lang="ko-KR" altLang="en-US" smtClean="0"/>
+              <a:rPr lang="ko-KR" altLang="en-US"/>
               <a:t>셋째 수준</a:t>
             </a:r>
           </a:p>
           <a:p>
             <a:pPr lvl="3"/>
             <a:r>
-              <a:rPr lang="ko-KR" altLang="en-US" smtClean="0"/>
+              <a:rPr lang="ko-KR" altLang="en-US"/>
               <a:t>넷째 수준</a:t>
             </a:r>
           </a:p>
           <a:p>
             <a:pPr lvl="4"/>
             <a:r>
-              <a:rPr lang="ko-KR" altLang="en-US" smtClean="0"/>
+              <a:rPr lang="ko-KR" altLang="en-US"/>
               <a:t>다섯째 수준</a:t>
             </a:r>
-            <a:endParaRPr lang="ko-KR" altLang="en-US"/>
           </a:p>
         </p:txBody>
       </p:sp>
@@ -2190,7 +2191,7 @@
           <a:p>
             <a:pPr lvl="0"/>
             <a:r>
-              <a:rPr lang="ko-KR" altLang="en-US" smtClean="0"/>
+              <a:rPr lang="ko-KR" altLang="en-US"/>
               <a:t>마스터 텍스트 스타일을 편집합니다</a:t>
             </a:r>
           </a:p>
@@ -2213,7 +2214,7 @@
           <a:p>
             <a:fld id="{FB30EDBD-1C2D-4C1E-B459-B60219FAB484}" type="datetimeFigureOut">
               <a:rPr lang="ko-KR" altLang="en-US" smtClean="0"/>
-              <a:t>2022-01-06</a:t>
+              <a:t>2023-05-14</a:t>
             </a:fld>
             <a:endParaRPr lang="ko-KR" altLang="en-US"/>
           </a:p>
@@ -2311,10 +2312,9 @@
           </a:lstStyle>
           <a:p>
             <a:r>
-              <a:rPr lang="ko-KR" altLang="en-US" smtClean="0"/>
+              <a:rPr lang="ko-KR" altLang="en-US"/>
               <a:t>마스터 제목 스타일 편집</a:t>
             </a:r>
-            <a:endParaRPr lang="ko-KR" altLang="en-US"/>
           </a:p>
         </p:txBody>
       </p:sp>
@@ -2438,7 +2438,7 @@
           <a:p>
             <a:pPr lvl="0"/>
             <a:r>
-              <a:rPr lang="ko-KR" altLang="en-US" smtClean="0"/>
+              <a:rPr lang="ko-KR" altLang="en-US"/>
               <a:t>마스터 텍스트 스타일을 편집합니다</a:t>
             </a:r>
           </a:p>
@@ -2461,7 +2461,7 @@
           <a:p>
             <a:fld id="{FB30EDBD-1C2D-4C1E-B459-B60219FAB484}" type="datetimeFigureOut">
               <a:rPr lang="ko-KR" altLang="en-US" smtClean="0"/>
-              <a:t>2022-01-06</a:t>
+              <a:t>2023-05-14</a:t>
             </a:fld>
             <a:endParaRPr lang="ko-KR" altLang="en-US"/>
           </a:p>
@@ -2565,10 +2565,9 @@
           <a:lstStyle/>
           <a:p>
             <a:r>
-              <a:rPr lang="ko-KR" altLang="en-US" smtClean="0"/>
+              <a:rPr lang="ko-KR" altLang="en-US"/>
               <a:t>마스터 제목 스타일 편집</a:t>
             </a:r>
-            <a:endParaRPr lang="ko-KR" altLang="en-US"/>
           </a:p>
         </p:txBody>
       </p:sp>
@@ -2599,38 +2598,37 @@
           <a:p>
             <a:pPr lvl="0"/>
             <a:r>
-              <a:rPr lang="ko-KR" altLang="en-US" smtClean="0"/>
+              <a:rPr lang="ko-KR" altLang="en-US"/>
               <a:t>마스터 텍스트 스타일을 편집합니다</a:t>
             </a:r>
           </a:p>
           <a:p>
             <a:pPr lvl="1"/>
             <a:r>
-              <a:rPr lang="ko-KR" altLang="en-US" smtClean="0"/>
+              <a:rPr lang="ko-KR" altLang="en-US"/>
               <a:t>둘째 수준</a:t>
             </a:r>
           </a:p>
           <a:p>
             <a:pPr lvl="2"/>
             <a:r>
-              <a:rPr lang="ko-KR" altLang="en-US" smtClean="0"/>
+              <a:rPr lang="ko-KR" altLang="en-US"/>
               <a:t>셋째 수준</a:t>
             </a:r>
           </a:p>
           <a:p>
             <a:pPr lvl="3"/>
             <a:r>
-              <a:rPr lang="ko-KR" altLang="en-US" smtClean="0"/>
+              <a:rPr lang="ko-KR" altLang="en-US"/>
               <a:t>넷째 수준</a:t>
             </a:r>
           </a:p>
           <a:p>
             <a:pPr lvl="4"/>
             <a:r>
-              <a:rPr lang="ko-KR" altLang="en-US" smtClean="0"/>
+              <a:rPr lang="ko-KR" altLang="en-US"/>
               <a:t>다섯째 수준</a:t>
             </a:r>
-            <a:endParaRPr lang="ko-KR" altLang="en-US"/>
           </a:p>
         </p:txBody>
       </p:sp>
@@ -2669,7 +2667,7 @@
           <a:p>
             <a:fld id="{FB30EDBD-1C2D-4C1E-B459-B60219FAB484}" type="datetimeFigureOut">
               <a:rPr lang="ko-KR" altLang="en-US" smtClean="0"/>
-              <a:t>2022-01-06</a:t>
+              <a:t>2023-05-14</a:t>
             </a:fld>
             <a:endParaRPr lang="ko-KR" altLang="en-US"/>
           </a:p>
@@ -3229,6 +3227,188 @@
       </p:grpSpPr>
       <p:pic>
         <p:nvPicPr>
+          <p:cNvPr id="1026" name="Picture 2"/>
+          <p:cNvPicPr>
+            <a:picLocks noChangeAspect="1" noChangeArrowheads="1"/>
+          </p:cNvPicPr>
+          <p:nvPr/>
+        </p:nvPicPr>
+        <p:blipFill>
+          <a:blip r:embed="rId2">
+            <a:extLst>
+              <a:ext uri="{28A0092B-C50C-407E-A947-70E740481C1C}">
+                <a14:useLocalDpi xmlns:a14="http://schemas.microsoft.com/office/drawing/2010/main" val="0"/>
+              </a:ext>
+            </a:extLst>
+          </a:blip>
+          <a:srcRect/>
+          <a:stretch>
+            <a:fillRect/>
+          </a:stretch>
+        </p:blipFill>
+        <p:spPr bwMode="auto">
+          <a:xfrm>
+            <a:off x="1909763" y="1433513"/>
+            <a:ext cx="5324475" cy="3990975"/>
+          </a:xfrm>
+          <a:prstGeom prst="rect">
+            <a:avLst/>
+          </a:prstGeom>
+          <a:noFill/>
+          <a:ln>
+            <a:noFill/>
+          </a:ln>
+          <a:effectLst/>
+          <a:extLst>
+            <a:ext uri="{909E8E84-426E-40DD-AFC4-6F175D3DCCD1}">
+              <a14:hiddenFill xmlns:a14="http://schemas.microsoft.com/office/drawing/2010/main">
+                <a:solidFill>
+                  <a:schemeClr val="accent1"/>
+                </a:solidFill>
+              </a14:hiddenFill>
+            </a:ext>
+            <a:ext uri="{91240B29-F687-4F45-9708-019B960494DF}">
+              <a14:hiddenLine xmlns:a14="http://schemas.microsoft.com/office/drawing/2010/main" w="9525">
+                <a:solidFill>
+                  <a:schemeClr val="tx1"/>
+                </a:solidFill>
+                <a:miter lim="800000"/>
+                <a:headEnd/>
+                <a:tailEnd/>
+              </a14:hiddenLine>
+            </a:ext>
+            <a:ext uri="{AF507438-7753-43E0-B8FC-AC1667EBCBE1}">
+              <a14:hiddenEffects xmlns:a14="http://schemas.microsoft.com/office/drawing/2010/main">
+                <a:effectLst>
+                  <a:outerShdw dist="35921" dir="2700000" algn="ctr" rotWithShape="0">
+                    <a:schemeClr val="bg2"/>
+                  </a:outerShdw>
+                </a:effectLst>
+              </a14:hiddenEffects>
+            </a:ext>
+          </a:extLst>
+        </p:spPr>
+      </p:pic>
+      <p:sp>
+        <p:nvSpPr>
+          <p:cNvPr id="2" name="Rectangle 1">
+            <a:extLst>
+              <a:ext uri="{FF2B5EF4-FFF2-40B4-BE49-F238E27FC236}">
+                <a16:creationId xmlns:a16="http://schemas.microsoft.com/office/drawing/2014/main" id="{CA13D1AF-80D4-1501-2376-A99C6FA1E72E}"/>
+              </a:ext>
+            </a:extLst>
+          </p:cNvPr>
+          <p:cNvSpPr/>
+          <p:nvPr/>
+        </p:nvSpPr>
+        <p:spPr>
+          <a:xfrm>
+            <a:off x="3601596" y="1268760"/>
+            <a:ext cx="2160240" cy="432048"/>
+          </a:xfrm>
+          <a:prstGeom prst="rect">
+            <a:avLst/>
+          </a:prstGeom>
+          <a:solidFill>
+            <a:schemeClr val="bg1"/>
+          </a:solidFill>
+          <a:ln>
+            <a:noFill/>
+          </a:ln>
+        </p:spPr>
+        <p:style>
+          <a:lnRef idx="2">
+            <a:schemeClr val="accent1">
+              <a:shade val="50000"/>
+            </a:schemeClr>
+          </a:lnRef>
+          <a:fillRef idx="1">
+            <a:schemeClr val="accent1"/>
+          </a:fillRef>
+          <a:effectRef idx="0">
+            <a:schemeClr val="accent1"/>
+          </a:effectRef>
+          <a:fontRef idx="minor">
+            <a:schemeClr val="lt1"/>
+          </a:fontRef>
+        </p:style>
+        <p:txBody>
+          <a:bodyPr rtlCol="0" anchor="ctr"/>
+          <a:lstStyle/>
+          <a:p>
+            <a:pPr algn="ctr"/>
+            <a:endParaRPr lang="en-US"/>
+          </a:p>
+        </p:txBody>
+      </p:sp>
+      <p:sp>
+        <p:nvSpPr>
+          <p:cNvPr id="3" name="TextBox 2">
+            <a:extLst>
+              <a:ext uri="{FF2B5EF4-FFF2-40B4-BE49-F238E27FC236}">
+                <a16:creationId xmlns:a16="http://schemas.microsoft.com/office/drawing/2014/main" id="{333C9644-E479-6861-105A-645AE271F0A4}"/>
+              </a:ext>
+            </a:extLst>
+          </p:cNvPr>
+          <p:cNvSpPr txBox="1"/>
+          <p:nvPr/>
+        </p:nvSpPr>
+        <p:spPr>
+          <a:xfrm>
+            <a:off x="2838038" y="1412776"/>
+            <a:ext cx="3687356" cy="307777"/>
+          </a:xfrm>
+          <a:prstGeom prst="rect">
+            <a:avLst/>
+          </a:prstGeom>
+          <a:noFill/>
+        </p:spPr>
+        <p:txBody>
+          <a:bodyPr wrap="none" rtlCol="0">
+            <a:spAutoFit/>
+          </a:bodyPr>
+          <a:lstStyle/>
+          <a:p>
+            <a:pPr algn="ctr"/>
+            <a:r>
+              <a:rPr lang="en-US" sz="1400" dirty="0"/>
+              <a:t>Three sine waves with different amplitudes</a:t>
+            </a:r>
+          </a:p>
+        </p:txBody>
+      </p:sp>
+    </p:spTree>
+    <p:extLst>
+      <p:ext uri="{BB962C8B-B14F-4D97-AF65-F5344CB8AC3E}">
+        <p14:creationId xmlns:p14="http://schemas.microsoft.com/office/powerpoint/2010/main" val="4197011551"/>
+      </p:ext>
+    </p:extLst>
+  </p:cSld>
+  <p:clrMapOvr>
+    <a:masterClrMapping/>
+  </p:clrMapOvr>
+</p:sld>
+</file>
+
+<file path=ppt/slides/slide4.xml><?xml version="1.0" encoding="utf-8"?>
+<p:sld xmlns:a="http://schemas.openxmlformats.org/drawingml/2006/main" xmlns:r="http://schemas.openxmlformats.org/officeDocument/2006/relationships" xmlns:p="http://schemas.openxmlformats.org/presentationml/2006/main">
+  <p:cSld>
+    <p:spTree>
+      <p:nvGrpSpPr>
+        <p:cNvPr id="1" name=""/>
+        <p:cNvGrpSpPr/>
+        <p:nvPr/>
+      </p:nvGrpSpPr>
+      <p:grpSpPr>
+        <a:xfrm>
+          <a:off x="0" y="0"/>
+          <a:ext cx="0" cy="0"/>
+          <a:chOff x="0" y="0"/>
+          <a:chExt cx="0" cy="0"/>
+        </a:xfrm>
+      </p:grpSpPr>
+      <p:pic>
+        <p:nvPicPr>
           <p:cNvPr id="4" name="Picture 2"/>
           <p:cNvPicPr>
             <a:picLocks noChangeAspect="1" noChangeArrowheads="1"/>
@@ -3321,15 +3501,15 @@
           <a:lstStyle/>
           <a:p>
             <a:r>
-              <a:rPr lang="en-US" altLang="ko-KR" dirty="0" smtClean="0"/>
+              <a:rPr lang="en-US" altLang="ko-KR" dirty="0"/>
               <a:t>amplitude</a:t>
             </a:r>
             <a:r>
-              <a:rPr lang="ko-KR" altLang="en-US" dirty="0" smtClean="0"/>
+              <a:rPr lang="ko-KR" altLang="en-US" dirty="0"/>
               <a:t>라고 쓸 수 없다</a:t>
             </a:r>
             <a:r>
-              <a:rPr lang="en-US" altLang="ko-KR" dirty="0" smtClean="0"/>
+              <a:rPr lang="en-US" altLang="ko-KR" dirty="0"/>
               <a:t>.</a:t>
             </a:r>
             <a:endParaRPr lang="ko-KR" altLang="en-US" dirty="0"/>
@@ -3387,7 +3567,176 @@
 </p:sld>
 </file>
 
-<file path=ppt/slides/slide4.xml><?xml version="1.0" encoding="utf-8"?>
+<file path=ppt/slides/slide5.xml><?xml version="1.0" encoding="utf-8"?>
+<p:sld xmlns:a="http://schemas.openxmlformats.org/drawingml/2006/main" xmlns:r="http://schemas.openxmlformats.org/officeDocument/2006/relationships" xmlns:p="http://schemas.openxmlformats.org/presentationml/2006/main">
+  <p:cSld>
+    <p:spTree>
+      <p:nvGrpSpPr>
+        <p:cNvPr id="1" name=""/>
+        <p:cNvGrpSpPr/>
+        <p:nvPr/>
+      </p:nvGrpSpPr>
+      <p:grpSpPr>
+        <a:xfrm>
+          <a:off x="0" y="0"/>
+          <a:ext cx="0" cy="0"/>
+          <a:chOff x="0" y="0"/>
+          <a:chExt cx="0" cy="0"/>
+        </a:xfrm>
+      </p:grpSpPr>
+      <p:pic>
+        <p:nvPicPr>
+          <p:cNvPr id="4" name="Picture 2"/>
+          <p:cNvPicPr>
+            <a:picLocks noChangeAspect="1" noChangeArrowheads="1"/>
+          </p:cNvPicPr>
+          <p:nvPr/>
+        </p:nvPicPr>
+        <p:blipFill>
+          <a:blip r:embed="rId2">
+            <a:extLst>
+              <a:ext uri="{28A0092B-C50C-407E-A947-70E740481C1C}">
+                <a14:useLocalDpi xmlns:a14="http://schemas.microsoft.com/office/drawing/2010/main" val="0"/>
+              </a:ext>
+            </a:extLst>
+          </a:blip>
+          <a:srcRect/>
+          <a:stretch>
+            <a:fillRect/>
+          </a:stretch>
+        </p:blipFill>
+        <p:spPr bwMode="auto">
+          <a:xfrm>
+            <a:off x="481013" y="2005013"/>
+            <a:ext cx="8181975" cy="2847975"/>
+          </a:xfrm>
+          <a:prstGeom prst="rect">
+            <a:avLst/>
+          </a:prstGeom>
+          <a:noFill/>
+          <a:ln>
+            <a:noFill/>
+          </a:ln>
+          <a:effectLst/>
+          <a:extLst>
+            <a:ext uri="{909E8E84-426E-40DD-AFC4-6F175D3DCCD1}">
+              <a14:hiddenFill xmlns:a14="http://schemas.microsoft.com/office/drawing/2010/main">
+                <a:solidFill>
+                  <a:schemeClr val="accent1"/>
+                </a:solidFill>
+              </a14:hiddenFill>
+            </a:ext>
+            <a:ext uri="{91240B29-F687-4F45-9708-019B960494DF}">
+              <a14:hiddenLine xmlns:a14="http://schemas.microsoft.com/office/drawing/2010/main" w="9525">
+                <a:solidFill>
+                  <a:schemeClr val="tx1"/>
+                </a:solidFill>
+                <a:miter lim="800000"/>
+                <a:headEnd/>
+                <a:tailEnd/>
+              </a14:hiddenLine>
+            </a:ext>
+            <a:ext uri="{AF507438-7753-43E0-B8FC-AC1667EBCBE1}">
+              <a14:hiddenEffects xmlns:a14="http://schemas.microsoft.com/office/drawing/2010/main">
+                <a:effectLst>
+                  <a:outerShdw dist="35921" dir="2700000" algn="ctr" rotWithShape="0">
+                    <a:schemeClr val="bg2"/>
+                  </a:outerShdw>
+                </a:effectLst>
+              </a14:hiddenEffects>
+            </a:ext>
+          </a:extLst>
+        </p:spPr>
+      </p:pic>
+      <p:sp>
+        <p:nvSpPr>
+          <p:cNvPr id="5" name="TextBox 4"/>
+          <p:cNvSpPr txBox="1"/>
+          <p:nvPr/>
+        </p:nvSpPr>
+        <p:spPr>
+          <a:xfrm>
+            <a:off x="1683690" y="3448508"/>
+            <a:ext cx="2859757" cy="369332"/>
+          </a:xfrm>
+          <a:prstGeom prst="rect">
+            <a:avLst/>
+          </a:prstGeom>
+          <a:solidFill>
+            <a:schemeClr val="bg1"/>
+          </a:solidFill>
+          <a:ln w="28575">
+            <a:solidFill>
+              <a:srgbClr val="FF0000"/>
+            </a:solidFill>
+          </a:ln>
+        </p:spPr>
+        <p:txBody>
+          <a:bodyPr wrap="none" rtlCol="0">
+            <a:spAutoFit/>
+          </a:bodyPr>
+          <a:lstStyle/>
+          <a:p>
+            <a:r>
+              <a:rPr lang="en-US" altLang="ko-KR" dirty="0"/>
+              <a:t>You can’t say “Amplitude”</a:t>
+            </a:r>
+            <a:endParaRPr lang="ko-KR" altLang="en-US" dirty="0"/>
+          </a:p>
+        </p:txBody>
+      </p:sp>
+      <p:cxnSp>
+        <p:nvCxnSpPr>
+          <p:cNvPr id="3" name="직선 화살표 연결선 2"/>
+          <p:cNvCxnSpPr>
+            <a:stCxn id="5" idx="1"/>
+          </p:cNvCxnSpPr>
+          <p:nvPr/>
+        </p:nvCxnSpPr>
+        <p:spPr>
+          <a:xfrm flipH="1" flipV="1">
+            <a:off x="1259632" y="3284984"/>
+            <a:ext cx="424058" cy="348190"/>
+          </a:xfrm>
+          <a:prstGeom prst="straightConnector1">
+            <a:avLst/>
+          </a:prstGeom>
+          <a:ln w="19050">
+            <a:solidFill>
+              <a:srgbClr val="FF0000"/>
+            </a:solidFill>
+            <a:tailEnd type="arrow"/>
+          </a:ln>
+        </p:spPr>
+        <p:style>
+          <a:lnRef idx="1">
+            <a:schemeClr val="accent1"/>
+          </a:lnRef>
+          <a:fillRef idx="0">
+            <a:schemeClr val="accent1"/>
+          </a:fillRef>
+          <a:effectRef idx="0">
+            <a:schemeClr val="accent1"/>
+          </a:effectRef>
+          <a:fontRef idx="minor">
+            <a:schemeClr val="tx1"/>
+          </a:fontRef>
+        </p:style>
+      </p:cxnSp>
+    </p:spTree>
+    <p:extLst>
+      <p:ext uri="{BB962C8B-B14F-4D97-AF65-F5344CB8AC3E}">
+        <p14:creationId xmlns:p14="http://schemas.microsoft.com/office/powerpoint/2010/main" val="2170089407"/>
+      </p:ext>
+    </p:extLst>
+  </p:cSld>
+  <p:clrMapOvr>
+    <a:masterClrMapping/>
+  </p:clrMapOvr>
+</p:sld>
+</file>
+
+<file path=ppt/slides/slide6.xml><?xml version="1.0" encoding="utf-8"?>
 <p:sld xmlns:a="http://schemas.openxmlformats.org/drawingml/2006/main" xmlns:r="http://schemas.openxmlformats.org/officeDocument/2006/relationships" xmlns:p="http://schemas.openxmlformats.org/presentationml/2006/main">
   <p:cSld>
     <p:spTree>
@@ -3471,6 +3820,188 @@
     </p:spTree>
     <p:extLst>
       <p:ext uri="{BB962C8B-B14F-4D97-AF65-F5344CB8AC3E}">
+        <p14:creationId xmlns:p14="http://schemas.microsoft.com/office/powerpoint/2010/main" val="1166308433"/>
+      </p:ext>
+    </p:extLst>
+  </p:cSld>
+  <p:clrMapOvr>
+    <a:masterClrMapping/>
+  </p:clrMapOvr>
+</p:sld>
+</file>
+
+<file path=ppt/slides/slide7.xml><?xml version="1.0" encoding="utf-8"?>
+<p:sld xmlns:a="http://schemas.openxmlformats.org/drawingml/2006/main" xmlns:r="http://schemas.openxmlformats.org/officeDocument/2006/relationships" xmlns:p="http://schemas.openxmlformats.org/presentationml/2006/main">
+  <p:cSld>
+    <p:spTree>
+      <p:nvGrpSpPr>
+        <p:cNvPr id="1" name=""/>
+        <p:cNvGrpSpPr/>
+        <p:nvPr/>
+      </p:nvGrpSpPr>
+      <p:grpSpPr>
+        <a:xfrm>
+          <a:off x="0" y="0"/>
+          <a:ext cx="0" cy="0"/>
+          <a:chOff x="0" y="0"/>
+          <a:chExt cx="0" cy="0"/>
+        </a:xfrm>
+      </p:grpSpPr>
+      <p:pic>
+        <p:nvPicPr>
+          <p:cNvPr id="2050" name="Picture 2"/>
+          <p:cNvPicPr>
+            <a:picLocks noChangeAspect="1" noChangeArrowheads="1"/>
+          </p:cNvPicPr>
+          <p:nvPr/>
+        </p:nvPicPr>
+        <p:blipFill>
+          <a:blip r:embed="rId2">
+            <a:extLst>
+              <a:ext uri="{28A0092B-C50C-407E-A947-70E740481C1C}">
+                <a14:useLocalDpi xmlns:a14="http://schemas.microsoft.com/office/drawing/2010/main" val="0"/>
+              </a:ext>
+            </a:extLst>
+          </a:blip>
+          <a:srcRect/>
+          <a:stretch>
+            <a:fillRect/>
+          </a:stretch>
+        </p:blipFill>
+        <p:spPr bwMode="auto">
+          <a:xfrm>
+            <a:off x="-423863" y="2443163"/>
+            <a:ext cx="9991726" cy="1971675"/>
+          </a:xfrm>
+          <a:prstGeom prst="rect">
+            <a:avLst/>
+          </a:prstGeom>
+          <a:noFill/>
+          <a:ln>
+            <a:noFill/>
+          </a:ln>
+          <a:effectLst/>
+          <a:extLst>
+            <a:ext uri="{909E8E84-426E-40DD-AFC4-6F175D3DCCD1}">
+              <a14:hiddenFill xmlns:a14="http://schemas.microsoft.com/office/drawing/2010/main">
+                <a:solidFill>
+                  <a:schemeClr val="accent1"/>
+                </a:solidFill>
+              </a14:hiddenFill>
+            </a:ext>
+            <a:ext uri="{91240B29-F687-4F45-9708-019B960494DF}">
+              <a14:hiddenLine xmlns:a14="http://schemas.microsoft.com/office/drawing/2010/main" w="9525">
+                <a:solidFill>
+                  <a:schemeClr val="tx1"/>
+                </a:solidFill>
+                <a:miter lim="800000"/>
+                <a:headEnd/>
+                <a:tailEnd/>
+              </a14:hiddenLine>
+            </a:ext>
+            <a:ext uri="{AF507438-7753-43E0-B8FC-AC1667EBCBE1}">
+              <a14:hiddenEffects xmlns:a14="http://schemas.microsoft.com/office/drawing/2010/main">
+                <a:effectLst>
+                  <a:outerShdw dist="35921" dir="2700000" algn="ctr" rotWithShape="0">
+                    <a:schemeClr val="bg2"/>
+                  </a:outerShdw>
+                </a:effectLst>
+              </a14:hiddenEffects>
+            </a:ext>
+          </a:extLst>
+        </p:spPr>
+      </p:pic>
+      <p:sp>
+        <p:nvSpPr>
+          <p:cNvPr id="2" name="Rectangle 1">
+            <a:extLst>
+              <a:ext uri="{FF2B5EF4-FFF2-40B4-BE49-F238E27FC236}">
+                <a16:creationId xmlns:a16="http://schemas.microsoft.com/office/drawing/2014/main" id="{1A0E8B74-8CB5-72A4-481C-F20308104326}"/>
+              </a:ext>
+            </a:extLst>
+          </p:cNvPr>
+          <p:cNvSpPr/>
+          <p:nvPr/>
+        </p:nvSpPr>
+        <p:spPr>
+          <a:xfrm>
+            <a:off x="3601596" y="2170564"/>
+            <a:ext cx="2160240" cy="432048"/>
+          </a:xfrm>
+          <a:prstGeom prst="rect">
+            <a:avLst/>
+          </a:prstGeom>
+          <a:solidFill>
+            <a:schemeClr val="bg1"/>
+          </a:solidFill>
+          <a:ln>
+            <a:noFill/>
+          </a:ln>
+        </p:spPr>
+        <p:style>
+          <a:lnRef idx="2">
+            <a:schemeClr val="accent1">
+              <a:shade val="50000"/>
+            </a:schemeClr>
+          </a:lnRef>
+          <a:fillRef idx="1">
+            <a:schemeClr val="accent1"/>
+          </a:fillRef>
+          <a:effectRef idx="0">
+            <a:schemeClr val="accent1"/>
+          </a:effectRef>
+          <a:fontRef idx="minor">
+            <a:schemeClr val="lt1"/>
+          </a:fontRef>
+        </p:style>
+        <p:txBody>
+          <a:bodyPr rtlCol="0" anchor="ctr"/>
+          <a:lstStyle/>
+          <a:p>
+            <a:pPr algn="ctr"/>
+            <a:endParaRPr lang="en-US"/>
+          </a:p>
+        </p:txBody>
+      </p:sp>
+      <p:sp>
+        <p:nvSpPr>
+          <p:cNvPr id="3" name="TextBox 2">
+            <a:extLst>
+              <a:ext uri="{FF2B5EF4-FFF2-40B4-BE49-F238E27FC236}">
+                <a16:creationId xmlns:a16="http://schemas.microsoft.com/office/drawing/2014/main" id="{CFDC3E34-46E0-8F15-B3E9-36993EDDBAAA}"/>
+              </a:ext>
+            </a:extLst>
+          </p:cNvPr>
+          <p:cNvSpPr txBox="1"/>
+          <p:nvPr/>
+        </p:nvSpPr>
+        <p:spPr>
+          <a:xfrm>
+            <a:off x="2886931" y="2314580"/>
+            <a:ext cx="3589573" cy="307777"/>
+          </a:xfrm>
+          <a:prstGeom prst="rect">
+            <a:avLst/>
+          </a:prstGeom>
+          <a:noFill/>
+        </p:spPr>
+        <p:txBody>
+          <a:bodyPr wrap="none" rtlCol="0">
+            <a:spAutoFit/>
+          </a:bodyPr>
+          <a:lstStyle/>
+          <a:p>
+            <a:pPr algn="ctr"/>
+            <a:r>
+              <a:rPr lang="en-US" sz="1400" dirty="0"/>
+              <a:t>Two sine waves with different frequencies</a:t>
+            </a:r>
+          </a:p>
+        </p:txBody>
+      </p:sp>
+    </p:spTree>
+    <p:extLst>
+      <p:ext uri="{BB962C8B-B14F-4D97-AF65-F5344CB8AC3E}">
         <p14:creationId xmlns:p14="http://schemas.microsoft.com/office/powerpoint/2010/main" val="610129181"/>
       </p:ext>
     </p:extLst>
@@ -3481,7 +4012,7 @@
 </p:sld>
 </file>
 
-<file path=ppt/slides/slide5.xml><?xml version="1.0" encoding="utf-8"?>
+<file path=ppt/slides/slide8.xml><?xml version="1.0" encoding="utf-8"?>
 <p:sld xmlns:a="http://schemas.openxmlformats.org/drawingml/2006/main" xmlns:r="http://schemas.openxmlformats.org/officeDocument/2006/relationships" xmlns:p="http://schemas.openxmlformats.org/presentationml/2006/main">
   <p:cSld>
     <p:spTree>
@@ -3585,7 +4116,7 @@
           <a:lstStyle/>
           <a:p>
             <a:r>
-              <a:rPr lang="en-US" altLang="ko-KR" dirty="0" smtClean="0"/>
+              <a:rPr lang="en-US" altLang="ko-KR" dirty="0"/>
               <a:t>time(s)</a:t>
             </a:r>
             <a:endParaRPr lang="ko-KR" altLang="en-US" dirty="0"/>
@@ -3855,7 +4386,7 @@
                         <m:fPr>
                           <m:ctrlPr>
                             <a:rPr lang="en-US" altLang="ko-KR" b="0" i="1" dirty="0" smtClean="0">
-                              <a:latin typeface="Cambria Math"/>
+                              <a:latin typeface="Cambria Math" panose="02040503050406030204" pitchFamily="18" charset="0"/>
                             </a:rPr>
                           </m:ctrlPr>
                         </m:fPr>
